--- a/documents/projectmanagement/Definition/Risikovermeidung.pptx
+++ b/documents/projectmanagement/Definition/Risikovermeidung.pptx
@@ -6,9 +6,10 @@
   </p:sldMasterIdLst>
   <p:sldIdLst>
     <p:sldId id="256" r:id="rId2"/>
-    <p:sldId id="257" r:id="rId3"/>
-    <p:sldId id="258" r:id="rId4"/>
-    <p:sldId id="259" r:id="rId5"/>
+    <p:sldId id="260" r:id="rId3"/>
+    <p:sldId id="257" r:id="rId4"/>
+    <p:sldId id="258" r:id="rId5"/>
+    <p:sldId id="259" r:id="rId6"/>
   </p:sldIdLst>
   <p:sldSz cx="12192000" cy="6858000"/>
   <p:notesSz cx="6858000" cy="9144000"/>
@@ -107,6 +108,11 @@
       </a:defRPr>
     </a:lvl9pPr>
   </p:defaultTextStyle>
+  <p:extLst>
+    <p:ext uri="{EFAFB233-063F-42B5-8137-9DF3F51BA10A}">
+      <p15:sldGuideLst xmlns:p15="http://schemas.microsoft.com/office/powerpoint/2012/main"/>
+    </p:ext>
+  </p:extLst>
 </p:presentation>
 </file>
 
@@ -155,7 +161,6 @@
               <a:rPr lang="de-DE"/>
               <a:t>Titelmasterformat durch Klicken bearbeiten</a:t>
             </a:r>
-            <a:endParaRPr lang="de-DE"/>
           </a:p>
         </p:txBody>
       </p:sp>
@@ -220,7 +225,6 @@
               <a:rPr lang="de-DE"/>
               <a:t>Formatvorlage des Untertitelmasters durch Klicken bearbeiten</a:t>
             </a:r>
-            <a:endParaRPr lang="de-DE"/>
           </a:p>
         </p:txBody>
       </p:sp>
@@ -241,7 +245,7 @@
           <a:p>
             <a:fld id="{840452F1-1A44-4842-8C56-CB948DFD18F6}" type="datetimeFigureOut">
               <a:rPr lang="de-DE" smtClean="0"/>
-              <a:t>18.07.2016</a:t>
+              <a:t>26.07.2016</a:t>
             </a:fld>
             <a:endParaRPr lang="de-DE"/>
           </a:p>
@@ -338,7 +342,6 @@
               <a:rPr lang="de-DE"/>
               <a:t>Titelmasterformat durch Klicken bearbeiten</a:t>
             </a:r>
-            <a:endParaRPr lang="de-DE"/>
           </a:p>
         </p:txBody>
       </p:sp>
@@ -390,7 +393,6 @@
               <a:rPr lang="de-DE"/>
               <a:t>Fünfte Ebene</a:t>
             </a:r>
-            <a:endParaRPr lang="de-DE"/>
           </a:p>
         </p:txBody>
       </p:sp>
@@ -411,7 +413,7 @@
           <a:p>
             <a:fld id="{840452F1-1A44-4842-8C56-CB948DFD18F6}" type="datetimeFigureOut">
               <a:rPr lang="de-DE" smtClean="0"/>
-              <a:t>18.07.2016</a:t>
+              <a:t>26.07.2016</a:t>
             </a:fld>
             <a:endParaRPr lang="de-DE"/>
           </a:p>
@@ -513,7 +515,6 @@
               <a:rPr lang="de-DE"/>
               <a:t>Titelmasterformat durch Klicken bearbeiten</a:t>
             </a:r>
-            <a:endParaRPr lang="de-DE"/>
           </a:p>
         </p:txBody>
       </p:sp>
@@ -570,7 +571,6 @@
               <a:rPr lang="de-DE"/>
               <a:t>Fünfte Ebene</a:t>
             </a:r>
-            <a:endParaRPr lang="de-DE"/>
           </a:p>
         </p:txBody>
       </p:sp>
@@ -591,7 +591,7 @@
           <a:p>
             <a:fld id="{840452F1-1A44-4842-8C56-CB948DFD18F6}" type="datetimeFigureOut">
               <a:rPr lang="de-DE" smtClean="0"/>
-              <a:t>18.07.2016</a:t>
+              <a:t>26.07.2016</a:t>
             </a:fld>
             <a:endParaRPr lang="de-DE"/>
           </a:p>
@@ -688,7 +688,6 @@
               <a:rPr lang="de-DE"/>
               <a:t>Titelmasterformat durch Klicken bearbeiten</a:t>
             </a:r>
-            <a:endParaRPr lang="de-DE"/>
           </a:p>
         </p:txBody>
       </p:sp>
@@ -740,7 +739,6 @@
               <a:rPr lang="de-DE"/>
               <a:t>Fünfte Ebene</a:t>
             </a:r>
-            <a:endParaRPr lang="de-DE"/>
           </a:p>
         </p:txBody>
       </p:sp>
@@ -761,7 +759,7 @@
           <a:p>
             <a:fld id="{840452F1-1A44-4842-8C56-CB948DFD18F6}" type="datetimeFigureOut">
               <a:rPr lang="de-DE" smtClean="0"/>
-              <a:t>18.07.2016</a:t>
+              <a:t>26.07.2016</a:t>
             </a:fld>
             <a:endParaRPr lang="de-DE"/>
           </a:p>
@@ -867,7 +865,6 @@
               <a:rPr lang="de-DE"/>
               <a:t>Titelmasterformat durch Klicken bearbeiten</a:t>
             </a:r>
-            <a:endParaRPr lang="de-DE"/>
           </a:p>
         </p:txBody>
       </p:sp>
@@ -1007,7 +1004,7 @@
           <a:p>
             <a:fld id="{840452F1-1A44-4842-8C56-CB948DFD18F6}" type="datetimeFigureOut">
               <a:rPr lang="de-DE" smtClean="0"/>
-              <a:t>18.07.2016</a:t>
+              <a:t>26.07.2016</a:t>
             </a:fld>
             <a:endParaRPr lang="de-DE"/>
           </a:p>
@@ -1104,7 +1101,6 @@
               <a:rPr lang="de-DE"/>
               <a:t>Titelmasterformat durch Klicken bearbeiten</a:t>
             </a:r>
-            <a:endParaRPr lang="de-DE"/>
           </a:p>
         </p:txBody>
       </p:sp>
@@ -1161,7 +1157,6 @@
               <a:rPr lang="de-DE"/>
               <a:t>Fünfte Ebene</a:t>
             </a:r>
-            <a:endParaRPr lang="de-DE"/>
           </a:p>
         </p:txBody>
       </p:sp>
@@ -1218,7 +1213,6 @@
               <a:rPr lang="de-DE"/>
               <a:t>Fünfte Ebene</a:t>
             </a:r>
-            <a:endParaRPr lang="de-DE"/>
           </a:p>
         </p:txBody>
       </p:sp>
@@ -1239,7 +1233,7 @@
           <a:p>
             <a:fld id="{840452F1-1A44-4842-8C56-CB948DFD18F6}" type="datetimeFigureOut">
               <a:rPr lang="de-DE" smtClean="0"/>
-              <a:t>18.07.2016</a:t>
+              <a:t>26.07.2016</a:t>
             </a:fld>
             <a:endParaRPr lang="de-DE"/>
           </a:p>
@@ -1341,7 +1335,6 @@
               <a:rPr lang="de-DE"/>
               <a:t>Titelmasterformat durch Klicken bearbeiten</a:t>
             </a:r>
-            <a:endParaRPr lang="de-DE"/>
           </a:p>
         </p:txBody>
       </p:sp>
@@ -1463,7 +1456,6 @@
               <a:rPr lang="de-DE"/>
               <a:t>Fünfte Ebene</a:t>
             </a:r>
-            <a:endParaRPr lang="de-DE"/>
           </a:p>
         </p:txBody>
       </p:sp>
@@ -1585,7 +1577,6 @@
               <a:rPr lang="de-DE"/>
               <a:t>Fünfte Ebene</a:t>
             </a:r>
-            <a:endParaRPr lang="de-DE"/>
           </a:p>
         </p:txBody>
       </p:sp>
@@ -1606,7 +1597,7 @@
           <a:p>
             <a:fld id="{840452F1-1A44-4842-8C56-CB948DFD18F6}" type="datetimeFigureOut">
               <a:rPr lang="de-DE" smtClean="0"/>
-              <a:t>18.07.2016</a:t>
+              <a:t>26.07.2016</a:t>
             </a:fld>
             <a:endParaRPr lang="de-DE"/>
           </a:p>
@@ -1703,7 +1694,6 @@
               <a:rPr lang="de-DE"/>
               <a:t>Titelmasterformat durch Klicken bearbeiten</a:t>
             </a:r>
-            <a:endParaRPr lang="de-DE"/>
           </a:p>
         </p:txBody>
       </p:sp>
@@ -1724,7 +1714,7 @@
           <a:p>
             <a:fld id="{840452F1-1A44-4842-8C56-CB948DFD18F6}" type="datetimeFigureOut">
               <a:rPr lang="de-DE" smtClean="0"/>
-              <a:t>18.07.2016</a:t>
+              <a:t>26.07.2016</a:t>
             </a:fld>
             <a:endParaRPr lang="de-DE"/>
           </a:p>
@@ -1819,7 +1809,7 @@
           <a:p>
             <a:fld id="{840452F1-1A44-4842-8C56-CB948DFD18F6}" type="datetimeFigureOut">
               <a:rPr lang="de-DE" smtClean="0"/>
-              <a:t>18.07.2016</a:t>
+              <a:t>26.07.2016</a:t>
             </a:fld>
             <a:endParaRPr lang="de-DE"/>
           </a:p>
@@ -1925,7 +1915,6 @@
               <a:rPr lang="de-DE"/>
               <a:t>Titelmasterformat durch Klicken bearbeiten</a:t>
             </a:r>
-            <a:endParaRPr lang="de-DE"/>
           </a:p>
         </p:txBody>
       </p:sp>
@@ -2010,7 +1999,6 @@
               <a:rPr lang="de-DE"/>
               <a:t>Fünfte Ebene</a:t>
             </a:r>
-            <a:endParaRPr lang="de-DE"/>
           </a:p>
         </p:txBody>
       </p:sp>
@@ -2096,7 +2084,7 @@
           <a:p>
             <a:fld id="{840452F1-1A44-4842-8C56-CB948DFD18F6}" type="datetimeFigureOut">
               <a:rPr lang="de-DE" smtClean="0"/>
-              <a:t>18.07.2016</a:t>
+              <a:t>26.07.2016</a:t>
             </a:fld>
             <a:endParaRPr lang="de-DE"/>
           </a:p>
@@ -2202,7 +2190,6 @@
               <a:rPr lang="de-DE"/>
               <a:t>Titelmasterformat durch Klicken bearbeiten</a:t>
             </a:r>
-            <a:endParaRPr lang="de-DE"/>
           </a:p>
         </p:txBody>
       </p:sp>
@@ -2349,7 +2336,7 @@
           <a:p>
             <a:fld id="{840452F1-1A44-4842-8C56-CB948DFD18F6}" type="datetimeFigureOut">
               <a:rPr lang="de-DE" smtClean="0"/>
-              <a:t>18.07.2016</a:t>
+              <a:t>26.07.2016</a:t>
             </a:fld>
             <a:endParaRPr lang="de-DE"/>
           </a:p>
@@ -2461,7 +2448,6 @@
               <a:rPr lang="de-DE"/>
               <a:t>Titelmasterformat durch Klicken bearbeiten</a:t>
             </a:r>
-            <a:endParaRPr lang="de-DE"/>
           </a:p>
         </p:txBody>
       </p:sp>
@@ -2523,7 +2509,6 @@
               <a:rPr lang="de-DE"/>
               <a:t>Fünfte Ebene</a:t>
             </a:r>
-            <a:endParaRPr lang="de-DE"/>
           </a:p>
         </p:txBody>
       </p:sp>
@@ -2562,7 +2547,7 @@
           <a:p>
             <a:fld id="{840452F1-1A44-4842-8C56-CB948DFD18F6}" type="datetimeFigureOut">
               <a:rPr lang="de-DE" smtClean="0"/>
-              <a:t>18.07.2016</a:t>
+              <a:t>26.07.2016</a:t>
             </a:fld>
             <a:endParaRPr lang="de-DE"/>
           </a:p>
@@ -3094,6 +3079,495 @@
           <a:lstStyle/>
           <a:p>
             <a:r>
+              <a:rPr lang="de-DE" dirty="0" smtClean="0"/>
+              <a:t>Risikotabelle</a:t>
+            </a:r>
+            <a:endParaRPr lang="de-DE" dirty="0"/>
+          </a:p>
+        </p:txBody>
+      </p:sp>
+      <p:graphicFrame>
+        <p:nvGraphicFramePr>
+          <p:cNvPr id="5" name="Inhaltsplatzhalter 4"/>
+          <p:cNvGraphicFramePr>
+            <a:graphicFrameLocks noGrp="1"/>
+          </p:cNvGraphicFramePr>
+          <p:nvPr>
+            <p:ph idx="1"/>
+            <p:extLst>
+              <p:ext uri="{D42A27DB-BD31-4B8C-83A1-F6EECF244321}">
+                <p14:modId xmlns:p14="http://schemas.microsoft.com/office/powerpoint/2010/main" val="3216540178"/>
+              </p:ext>
+            </p:extLst>
+          </p:nvPr>
+        </p:nvGraphicFramePr>
+        <p:xfrm>
+          <a:off x="838200" y="1825625"/>
+          <a:ext cx="10515600" cy="3205480"/>
+        </p:xfrm>
+        <a:graphic>
+          <a:graphicData uri="http://schemas.openxmlformats.org/drawingml/2006/table">
+            <a:tbl>
+              <a:tblPr firstRow="1" bandRow="1">
+                <a:tableStyleId>{5C22544A-7EE6-4342-B048-85BDC9FD1C3A}</a:tableStyleId>
+              </a:tblPr>
+              <a:tblGrid>
+                <a:gridCol w="1050985"/>
+                <a:gridCol w="2199736"/>
+                <a:gridCol w="1509622"/>
+                <a:gridCol w="2294627"/>
+                <a:gridCol w="3460630"/>
+              </a:tblGrid>
+              <a:tr h="370840">
+                <a:tc>
+                  <a:txBody>
+                    <a:bodyPr/>
+                    <a:lstStyle/>
+                    <a:p>
+                      <a:r>
+                        <a:rPr lang="de-DE" dirty="0" smtClean="0"/>
+                        <a:t>Risiko-ID</a:t>
+                      </a:r>
+                      <a:endParaRPr lang="de-DE" dirty="0"/>
+                    </a:p>
+                  </a:txBody>
+                  <a:tcPr/>
+                </a:tc>
+                <a:tc>
+                  <a:txBody>
+                    <a:bodyPr/>
+                    <a:lstStyle/>
+                    <a:p>
+                      <a:r>
+                        <a:rPr lang="de-DE" dirty="0" smtClean="0"/>
+                        <a:t>Risikobeschreibung</a:t>
+                      </a:r>
+                      <a:endParaRPr lang="de-DE" dirty="0"/>
+                    </a:p>
+                  </a:txBody>
+                  <a:tcPr/>
+                </a:tc>
+                <a:tc>
+                  <a:txBody>
+                    <a:bodyPr/>
+                    <a:lstStyle/>
+                    <a:p>
+                      <a:r>
+                        <a:rPr lang="de-DE" dirty="0" smtClean="0"/>
+                        <a:t>Risikoart</a:t>
+                      </a:r>
+                      <a:endParaRPr lang="de-DE" dirty="0"/>
+                    </a:p>
+                  </a:txBody>
+                  <a:tcPr/>
+                </a:tc>
+                <a:tc>
+                  <a:txBody>
+                    <a:bodyPr/>
+                    <a:lstStyle/>
+                    <a:p>
+                      <a:r>
+                        <a:rPr lang="de-DE" dirty="0" smtClean="0"/>
+                        <a:t>Ursache</a:t>
+                      </a:r>
+                      <a:endParaRPr lang="de-DE" dirty="0"/>
+                    </a:p>
+                  </a:txBody>
+                  <a:tcPr/>
+                </a:tc>
+                <a:tc>
+                  <a:txBody>
+                    <a:bodyPr/>
+                    <a:lstStyle/>
+                    <a:p>
+                      <a:r>
+                        <a:rPr lang="de-DE" dirty="0" smtClean="0"/>
+                        <a:t>Wirkung</a:t>
+                      </a:r>
+                      <a:endParaRPr lang="de-DE" dirty="0"/>
+                    </a:p>
+                  </a:txBody>
+                  <a:tcPr/>
+                </a:tc>
+              </a:tr>
+              <a:tr h="370840">
+                <a:tc>
+                  <a:txBody>
+                    <a:bodyPr/>
+                    <a:lstStyle/>
+                    <a:p>
+                      <a:r>
+                        <a:rPr lang="de-DE" dirty="0" smtClean="0"/>
+                        <a:t>1</a:t>
+                      </a:r>
+                      <a:endParaRPr lang="de-DE" dirty="0"/>
+                    </a:p>
+                  </a:txBody>
+                  <a:tcPr/>
+                </a:tc>
+                <a:tc>
+                  <a:txBody>
+                    <a:bodyPr/>
+                    <a:lstStyle/>
+                    <a:p>
+                      <a:r>
+                        <a:rPr lang="de-DE" dirty="0" smtClean="0"/>
+                        <a:t>Zeitproblematik</a:t>
+                      </a:r>
+                      <a:endParaRPr lang="de-DE" dirty="0"/>
+                    </a:p>
+                  </a:txBody>
+                  <a:tcPr/>
+                </a:tc>
+                <a:tc>
+                  <a:txBody>
+                    <a:bodyPr/>
+                    <a:lstStyle/>
+                    <a:p>
+                      <a:r>
+                        <a:rPr lang="de-DE" dirty="0" smtClean="0"/>
+                        <a:t>Zeitlich</a:t>
+                      </a:r>
+                      <a:endParaRPr lang="de-DE" dirty="0"/>
+                    </a:p>
+                  </a:txBody>
+                  <a:tcPr/>
+                </a:tc>
+                <a:tc>
+                  <a:txBody>
+                    <a:bodyPr/>
+                    <a:lstStyle/>
+                    <a:p>
+                      <a:r>
+                        <a:rPr lang="de-DE" dirty="0" smtClean="0"/>
+                        <a:t>Fehlerhaftes</a:t>
+                      </a:r>
+                      <a:r>
+                        <a:rPr lang="de-DE" baseline="0" dirty="0" smtClean="0"/>
+                        <a:t> Zeitmanagement</a:t>
+                      </a:r>
+                      <a:endParaRPr lang="de-DE" dirty="0"/>
+                    </a:p>
+                  </a:txBody>
+                  <a:tcPr/>
+                </a:tc>
+                <a:tc>
+                  <a:txBody>
+                    <a:bodyPr/>
+                    <a:lstStyle/>
+                    <a:p>
+                      <a:pPr marL="0" marR="0" lvl="0" indent="0" algn="l" defTabSz="914400" rtl="0" eaLnBrk="1" fontAlgn="auto" latinLnBrk="0" hangingPunct="1">
+                        <a:lnSpc>
+                          <a:spcPct val="100000"/>
+                        </a:lnSpc>
+                        <a:spcBef>
+                          <a:spcPts val="0"/>
+                        </a:spcBef>
+                        <a:spcAft>
+                          <a:spcPts val="0"/>
+                        </a:spcAft>
+                        <a:buClrTx/>
+                        <a:buSzTx/>
+                        <a:buFontTx/>
+                        <a:buNone/>
+                        <a:tabLst/>
+                        <a:defRPr/>
+                      </a:pPr>
+                      <a:r>
+                        <a:rPr lang="de-DE" dirty="0" smtClean="0"/>
+                        <a:t>Nichteinhaltung der Meilensteine</a:t>
+                      </a:r>
+                    </a:p>
+                  </a:txBody>
+                  <a:tcPr/>
+                </a:tc>
+              </a:tr>
+              <a:tr h="370840">
+                <a:tc>
+                  <a:txBody>
+                    <a:bodyPr/>
+                    <a:lstStyle/>
+                    <a:p>
+                      <a:r>
+                        <a:rPr lang="de-DE" dirty="0" smtClean="0"/>
+                        <a:t>2</a:t>
+                      </a:r>
+                      <a:endParaRPr lang="de-DE" dirty="0"/>
+                    </a:p>
+                  </a:txBody>
+                  <a:tcPr/>
+                </a:tc>
+                <a:tc>
+                  <a:txBody>
+                    <a:bodyPr/>
+                    <a:lstStyle/>
+                    <a:p>
+                      <a:r>
+                        <a:rPr lang="de-DE" dirty="0" err="1" smtClean="0"/>
+                        <a:t>Stakeholderrisiko</a:t>
+                      </a:r>
+                      <a:endParaRPr lang="de-DE" dirty="0"/>
+                    </a:p>
+                  </a:txBody>
+                  <a:tcPr/>
+                </a:tc>
+                <a:tc>
+                  <a:txBody>
+                    <a:bodyPr/>
+                    <a:lstStyle/>
+                    <a:p>
+                      <a:r>
+                        <a:rPr lang="de-DE" dirty="0" smtClean="0"/>
+                        <a:t>verschiedene</a:t>
+                      </a:r>
+                      <a:endParaRPr lang="de-DE" dirty="0"/>
+                    </a:p>
+                  </a:txBody>
+                  <a:tcPr/>
+                </a:tc>
+                <a:tc>
+                  <a:txBody>
+                    <a:bodyPr/>
+                    <a:lstStyle/>
+                    <a:p>
+                      <a:r>
+                        <a:rPr lang="de-DE" dirty="0" smtClean="0"/>
+                        <a:t>Fehlerhafte</a:t>
+                      </a:r>
+                      <a:r>
+                        <a:rPr lang="de-DE" baseline="0" dirty="0" smtClean="0"/>
+                        <a:t> Kommunikation o. Absprache</a:t>
+                      </a:r>
+                      <a:endParaRPr lang="de-DE" dirty="0"/>
+                    </a:p>
+                  </a:txBody>
+                  <a:tcPr/>
+                </a:tc>
+                <a:tc>
+                  <a:txBody>
+                    <a:bodyPr/>
+                    <a:lstStyle/>
+                    <a:p>
+                      <a:r>
+                        <a:rPr lang="de-DE" dirty="0" smtClean="0"/>
+                        <a:t>Fehlentwicklung der</a:t>
+                      </a:r>
+                      <a:r>
+                        <a:rPr lang="de-DE" baseline="0" dirty="0" smtClean="0"/>
+                        <a:t> Anwendung, Nichteinhaltung von Rahmenbedingungen</a:t>
+                      </a:r>
+                      <a:endParaRPr lang="de-DE" dirty="0"/>
+                    </a:p>
+                  </a:txBody>
+                  <a:tcPr/>
+                </a:tc>
+              </a:tr>
+              <a:tr h="370840">
+                <a:tc>
+                  <a:txBody>
+                    <a:bodyPr/>
+                    <a:lstStyle/>
+                    <a:p>
+                      <a:r>
+                        <a:rPr lang="de-DE" dirty="0" smtClean="0"/>
+                        <a:t>3</a:t>
+                      </a:r>
+                      <a:endParaRPr lang="de-DE" dirty="0"/>
+                    </a:p>
+                  </a:txBody>
+                  <a:tcPr/>
+                </a:tc>
+                <a:tc>
+                  <a:txBody>
+                    <a:bodyPr/>
+                    <a:lstStyle/>
+                    <a:p>
+                      <a:r>
+                        <a:rPr lang="de-DE" dirty="0" smtClean="0"/>
+                        <a:t>Kostenrisiko</a:t>
+                      </a:r>
+                      <a:endParaRPr lang="de-DE" dirty="0"/>
+                    </a:p>
+                  </a:txBody>
+                  <a:tcPr/>
+                </a:tc>
+                <a:tc>
+                  <a:txBody>
+                    <a:bodyPr/>
+                    <a:lstStyle/>
+                    <a:p>
+                      <a:r>
+                        <a:rPr lang="de-DE" dirty="0" smtClean="0"/>
+                        <a:t>Wirtschaftlich</a:t>
+                      </a:r>
+                      <a:endParaRPr lang="de-DE" dirty="0"/>
+                    </a:p>
+                  </a:txBody>
+                  <a:tcPr/>
+                </a:tc>
+                <a:tc>
+                  <a:txBody>
+                    <a:bodyPr/>
+                    <a:lstStyle/>
+                    <a:p>
+                      <a:r>
+                        <a:rPr lang="de-DE" dirty="0" smtClean="0"/>
+                        <a:t>Fehlerhafte</a:t>
+                      </a:r>
+                      <a:r>
+                        <a:rPr lang="de-DE" baseline="0" dirty="0" smtClean="0"/>
+                        <a:t> Kostenschätzung</a:t>
+                      </a:r>
+                      <a:endParaRPr lang="de-DE" dirty="0"/>
+                    </a:p>
+                  </a:txBody>
+                  <a:tcPr/>
+                </a:tc>
+                <a:tc>
+                  <a:txBody>
+                    <a:bodyPr/>
+                    <a:lstStyle/>
+                    <a:p>
+                      <a:r>
+                        <a:rPr lang="de-DE" dirty="0" smtClean="0"/>
+                        <a:t>Abbruch</a:t>
+                      </a:r>
+                      <a:r>
+                        <a:rPr lang="de-DE" baseline="0" dirty="0" smtClean="0"/>
+                        <a:t> des Projektes oder Beantragung von Zusatzbudget</a:t>
+                      </a:r>
+                      <a:endParaRPr lang="de-DE" dirty="0"/>
+                    </a:p>
+                  </a:txBody>
+                  <a:tcPr/>
+                </a:tc>
+              </a:tr>
+              <a:tr h="370840">
+                <a:tc>
+                  <a:txBody>
+                    <a:bodyPr/>
+                    <a:lstStyle/>
+                    <a:p>
+                      <a:r>
+                        <a:rPr lang="de-DE" dirty="0" smtClean="0"/>
+                        <a:t>4</a:t>
+                      </a:r>
+                      <a:endParaRPr lang="de-DE" dirty="0"/>
+                    </a:p>
+                  </a:txBody>
+                  <a:tcPr/>
+                </a:tc>
+                <a:tc>
+                  <a:txBody>
+                    <a:bodyPr/>
+                    <a:lstStyle/>
+                    <a:p>
+                      <a:r>
+                        <a:rPr lang="de-DE" dirty="0" smtClean="0"/>
+                        <a:t>Sicherheitsrisiko</a:t>
+                      </a:r>
+                      <a:endParaRPr lang="de-DE" dirty="0"/>
+                    </a:p>
+                  </a:txBody>
+                  <a:tcPr/>
+                </a:tc>
+                <a:tc>
+                  <a:txBody>
+                    <a:bodyPr/>
+                    <a:lstStyle/>
+                    <a:p>
+                      <a:r>
+                        <a:rPr lang="de-DE" dirty="0" smtClean="0"/>
+                        <a:t>technisch</a:t>
+                      </a:r>
+                      <a:endParaRPr lang="de-DE" dirty="0"/>
+                    </a:p>
+                  </a:txBody>
+                  <a:tcPr/>
+                </a:tc>
+                <a:tc>
+                  <a:txBody>
+                    <a:bodyPr/>
+                    <a:lstStyle/>
+                    <a:p>
+                      <a:r>
+                        <a:rPr lang="de-DE" dirty="0" smtClean="0"/>
+                        <a:t>Fehlerhafte Programmierung</a:t>
+                      </a:r>
+                      <a:endParaRPr lang="de-DE" dirty="0"/>
+                    </a:p>
+                  </a:txBody>
+                  <a:tcPr/>
+                </a:tc>
+                <a:tc>
+                  <a:txBody>
+                    <a:bodyPr/>
+                    <a:lstStyle/>
+                    <a:p>
+                      <a:r>
+                        <a:rPr lang="de-DE" dirty="0" smtClean="0"/>
+                        <a:t>Datenkonsistenz kann gefährdet</a:t>
+                      </a:r>
+                      <a:r>
+                        <a:rPr lang="de-DE" baseline="0" dirty="0" smtClean="0"/>
+                        <a:t> werden</a:t>
+                      </a:r>
+                      <a:endParaRPr lang="de-DE" dirty="0"/>
+                    </a:p>
+                  </a:txBody>
+                  <a:tcPr/>
+                </a:tc>
+              </a:tr>
+            </a:tbl>
+          </a:graphicData>
+        </a:graphic>
+      </p:graphicFrame>
+    </p:spTree>
+    <p:extLst>
+      <p:ext uri="{BB962C8B-B14F-4D97-AF65-F5344CB8AC3E}">
+        <p14:creationId xmlns:p14="http://schemas.microsoft.com/office/powerpoint/2010/main" val="2626163471"/>
+      </p:ext>
+    </p:extLst>
+  </p:cSld>
+  <p:clrMapOvr>
+    <a:masterClrMapping/>
+  </p:clrMapOvr>
+</p:sld>
+</file>
+
+<file path=ppt/slides/slide3.xml><?xml version="1.0" encoding="utf-8"?>
+<p:sld xmlns:a="http://schemas.openxmlformats.org/drawingml/2006/main" xmlns:r="http://schemas.openxmlformats.org/officeDocument/2006/relationships" xmlns:p="http://schemas.openxmlformats.org/presentationml/2006/main">
+  <p:cSld>
+    <p:spTree>
+      <p:nvGrpSpPr>
+        <p:cNvPr id="1" name=""/>
+        <p:cNvGrpSpPr/>
+        <p:nvPr/>
+      </p:nvGrpSpPr>
+      <p:grpSpPr>
+        <a:xfrm>
+          <a:off x="0" y="0"/>
+          <a:ext cx="0" cy="0"/>
+          <a:chOff x="0" y="0"/>
+          <a:chExt cx="0" cy="0"/>
+        </a:xfrm>
+      </p:grpSpPr>
+      <p:sp>
+        <p:nvSpPr>
+          <p:cNvPr id="2" name="Titel 1"/>
+          <p:cNvSpPr>
+            <a:spLocks noGrp="1"/>
+          </p:cNvSpPr>
+          <p:nvPr>
+            <p:ph type="title"/>
+          </p:nvPr>
+        </p:nvSpPr>
+        <p:spPr/>
+        <p:txBody>
+          <a:bodyPr/>
+          <a:lstStyle/>
+          <a:p>
+            <a:r>
               <a:rPr lang="de-DE" dirty="0"/>
               <a:t>Zeitproblematik</a:t>
             </a:r>
@@ -3512,7 +3986,7 @@
 </p:sld>
 </file>
 
-<file path=ppt/slides/slide3.xml><?xml version="1.0" encoding="utf-8"?>
+<file path=ppt/slides/slide4.xml><?xml version="1.0" encoding="utf-8"?>
 <p:sld xmlns:a="http://schemas.openxmlformats.org/drawingml/2006/main" xmlns:r="http://schemas.openxmlformats.org/officeDocument/2006/relationships" xmlns:p="http://schemas.openxmlformats.org/presentationml/2006/main">
   <p:cSld>
     <p:spTree>
@@ -3949,7 +4423,7 @@
 </p:sld>
 </file>
 
-<file path=ppt/slides/slide4.xml><?xml version="1.0" encoding="utf-8"?>
+<file path=ppt/slides/slide5.xml><?xml version="1.0" encoding="utf-8"?>
 <p:sld xmlns:a="http://schemas.openxmlformats.org/drawingml/2006/main" xmlns:r="http://schemas.openxmlformats.org/officeDocument/2006/relationships" xmlns:p="http://schemas.openxmlformats.org/presentationml/2006/main">
   <p:cSld>
     <p:spTree>

--- a/documents/projectmanagement/Definition/Risikovermeidung.pptx
+++ b/documents/projectmanagement/Definition/Risikovermeidung.pptx
@@ -3096,14 +3096,14 @@
             <p:ph idx="1"/>
             <p:extLst>
               <p:ext uri="{D42A27DB-BD31-4B8C-83A1-F6EECF244321}">
-                <p14:modId xmlns:p14="http://schemas.microsoft.com/office/powerpoint/2010/main" val="3216540178"/>
+                <p14:modId xmlns:p14="http://schemas.microsoft.com/office/powerpoint/2010/main" val="1148701445"/>
               </p:ext>
             </p:extLst>
           </p:nvPr>
         </p:nvGraphicFramePr>
         <p:xfrm>
           <a:off x="838200" y="1825625"/>
-          <a:ext cx="10515600" cy="3205480"/>
+          <a:ext cx="10515600" cy="3845560"/>
         </p:xfrm>
         <a:graphic>
           <a:graphicData uri="http://schemas.openxmlformats.org/drawingml/2006/table">
@@ -3442,7 +3442,7 @@
                   <a:tcPr/>
                 </a:tc>
               </a:tr>
-              <a:tr h="370840">
+              <a:tr h="320040">
                 <a:tc>
                   <a:txBody>
                     <a:bodyPr/>
@@ -3511,6 +3511,86 @@
                       <a:r>
                         <a:rPr lang="de-DE" baseline="0" dirty="0" smtClean="0"/>
                         <a:t> werden</a:t>
+                      </a:r>
+                      <a:endParaRPr lang="de-DE" dirty="0"/>
+                    </a:p>
+                  </a:txBody>
+                  <a:tcPr/>
+                </a:tc>
+              </a:tr>
+              <a:tr h="320040">
+                <a:tc>
+                  <a:txBody>
+                    <a:bodyPr/>
+                    <a:lstStyle/>
+                    <a:p>
+                      <a:r>
+                        <a:rPr lang="de-DE" dirty="0" smtClean="0"/>
+                        <a:t>5</a:t>
+                      </a:r>
+                      <a:endParaRPr lang="de-DE" dirty="0"/>
+                    </a:p>
+                  </a:txBody>
+                  <a:tcPr/>
+                </a:tc>
+                <a:tc>
+                  <a:txBody>
+                    <a:bodyPr/>
+                    <a:lstStyle/>
+                    <a:p>
+                      <a:r>
+                        <a:rPr lang="de-DE" dirty="0" smtClean="0"/>
+                        <a:t>Fehlentwicklung</a:t>
+                      </a:r>
+                      <a:endParaRPr lang="de-DE" dirty="0"/>
+                    </a:p>
+                  </a:txBody>
+                  <a:tcPr/>
+                </a:tc>
+                <a:tc>
+                  <a:txBody>
+                    <a:bodyPr/>
+                    <a:lstStyle/>
+                    <a:p>
+                      <a:r>
+                        <a:rPr lang="de-DE" dirty="0" smtClean="0"/>
+                        <a:t>Verschiedene</a:t>
+                      </a:r>
+                      <a:endParaRPr lang="de-DE" dirty="0"/>
+                    </a:p>
+                  </a:txBody>
+                  <a:tcPr/>
+                </a:tc>
+                <a:tc>
+                  <a:txBody>
+                    <a:bodyPr/>
+                    <a:lstStyle/>
+                    <a:p>
+                      <a:r>
+                        <a:rPr lang="de-DE" dirty="0" smtClean="0"/>
+                        <a:t>Fehlerhafte Analyse oder Umsetzung</a:t>
+                      </a:r>
+                      <a:endParaRPr lang="de-DE" dirty="0"/>
+                    </a:p>
+                  </a:txBody>
+                  <a:tcPr/>
+                </a:tc>
+                <a:tc>
+                  <a:txBody>
+                    <a:bodyPr/>
+                    <a:lstStyle/>
+                    <a:p>
+                      <a:r>
+                        <a:rPr lang="de-DE" dirty="0" smtClean="0"/>
+                        <a:t>Anwendung</a:t>
+                      </a:r>
+                      <a:r>
+                        <a:rPr lang="de-DE" baseline="0" dirty="0" smtClean="0"/>
+                        <a:t> nicht </a:t>
+                      </a:r>
+                      <a:r>
+                        <a:rPr lang="de-DE" baseline="0" smtClean="0"/>
+                        <a:t>zu gebrauchen</a:t>
                       </a:r>
                       <a:endParaRPr lang="de-DE" dirty="0"/>
                     </a:p>

--- a/documents/projectmanagement/Definition/Risikovermeidung.pptx
+++ b/documents/projectmanagement/Definition/Risikovermeidung.pptx
@@ -7,9 +7,15 @@
   <p:sldIdLst>
     <p:sldId id="256" r:id="rId2"/>
     <p:sldId id="260" r:id="rId3"/>
-    <p:sldId id="257" r:id="rId4"/>
-    <p:sldId id="258" r:id="rId5"/>
-    <p:sldId id="259" r:id="rId6"/>
+    <p:sldId id="262" r:id="rId4"/>
+    <p:sldId id="257" r:id="rId5"/>
+    <p:sldId id="258" r:id="rId6"/>
+    <p:sldId id="259" r:id="rId7"/>
+    <p:sldId id="261" r:id="rId8"/>
+    <p:sldId id="263" r:id="rId9"/>
+    <p:sldId id="264" r:id="rId10"/>
+    <p:sldId id="265" r:id="rId11"/>
+    <p:sldId id="266" r:id="rId12"/>
   </p:sldIdLst>
   <p:sldSz cx="12192000" cy="6858000"/>
   <p:notesSz cx="6858000" cy="9144000"/>
@@ -3046,6 +3052,879 @@
 </p:sld>
 </file>
 
+<file path=ppt/slides/slide10.xml><?xml version="1.0" encoding="utf-8"?>
+<p:sld xmlns:a="http://schemas.openxmlformats.org/drawingml/2006/main" xmlns:r="http://schemas.openxmlformats.org/officeDocument/2006/relationships" xmlns:p="http://schemas.openxmlformats.org/presentationml/2006/main">
+  <p:cSld>
+    <p:spTree>
+      <p:nvGrpSpPr>
+        <p:cNvPr id="1" name=""/>
+        <p:cNvGrpSpPr/>
+        <p:nvPr/>
+      </p:nvGrpSpPr>
+      <p:grpSpPr>
+        <a:xfrm>
+          <a:off x="0" y="0"/>
+          <a:ext cx="0" cy="0"/>
+          <a:chOff x="0" y="0"/>
+          <a:chExt cx="0" cy="0"/>
+        </a:xfrm>
+      </p:grpSpPr>
+      <p:sp>
+        <p:nvSpPr>
+          <p:cNvPr id="2" name="Titel 1"/>
+          <p:cNvSpPr>
+            <a:spLocks noGrp="1"/>
+          </p:cNvSpPr>
+          <p:nvPr>
+            <p:ph type="title"/>
+          </p:nvPr>
+        </p:nvSpPr>
+        <p:spPr/>
+        <p:txBody>
+          <a:bodyPr/>
+          <a:lstStyle/>
+          <a:p>
+            <a:r>
+              <a:rPr lang="de-DE" dirty="0"/>
+              <a:t>Qualifikation der Mitarbeiter</a:t>
+            </a:r>
+          </a:p>
+        </p:txBody>
+      </p:sp>
+      <p:sp>
+        <p:nvSpPr>
+          <p:cNvPr id="4" name="Rechteck 3"/>
+          <p:cNvSpPr/>
+          <p:nvPr/>
+        </p:nvSpPr>
+        <p:spPr>
+          <a:xfrm>
+            <a:off x="899981" y="1865870"/>
+            <a:ext cx="1806146" cy="4522573"/>
+          </a:xfrm>
+          <a:prstGeom prst="rect">
+            <a:avLst/>
+          </a:prstGeom>
+          <a:ln>
+            <a:solidFill>
+              <a:schemeClr val="accent1"/>
+            </a:solidFill>
+          </a:ln>
+        </p:spPr>
+        <p:style>
+          <a:lnRef idx="2">
+            <a:schemeClr val="accent6"/>
+          </a:lnRef>
+          <a:fillRef idx="1">
+            <a:schemeClr val="lt1"/>
+          </a:fillRef>
+          <a:effectRef idx="0">
+            <a:schemeClr val="accent6"/>
+          </a:effectRef>
+          <a:fontRef idx="minor">
+            <a:schemeClr val="dk1"/>
+          </a:fontRef>
+        </p:style>
+        <p:txBody>
+          <a:bodyPr rtlCol="0" anchor="ctr"/>
+          <a:lstStyle/>
+          <a:p>
+            <a:pPr algn="ctr"/>
+            <a:r>
+              <a:rPr lang="de-DE" dirty="0">
+                <a:solidFill>
+                  <a:schemeClr val="tx1"/>
+                </a:solidFill>
+              </a:rPr>
+              <a:t>Qualifikation der Mitarbeiter</a:t>
+            </a:r>
+          </a:p>
+        </p:txBody>
+      </p:sp>
+      <p:sp>
+        <p:nvSpPr>
+          <p:cNvPr id="5" name="Rechteck 4"/>
+          <p:cNvSpPr/>
+          <p:nvPr/>
+        </p:nvSpPr>
+        <p:spPr>
+          <a:xfrm>
+            <a:off x="3103607" y="2693773"/>
+            <a:ext cx="1806146" cy="3694670"/>
+          </a:xfrm>
+          <a:prstGeom prst="rect">
+            <a:avLst/>
+          </a:prstGeom>
+          <a:solidFill>
+            <a:schemeClr val="accent1"/>
+          </a:solidFill>
+          <a:ln>
+            <a:solidFill>
+              <a:schemeClr val="accent1"/>
+            </a:solidFill>
+          </a:ln>
+        </p:spPr>
+        <p:style>
+          <a:lnRef idx="2">
+            <a:schemeClr val="accent6"/>
+          </a:lnRef>
+          <a:fillRef idx="1">
+            <a:schemeClr val="lt1"/>
+          </a:fillRef>
+          <a:effectRef idx="0">
+            <a:schemeClr val="accent6"/>
+          </a:effectRef>
+          <a:fontRef idx="minor">
+            <a:schemeClr val="dk1"/>
+          </a:fontRef>
+        </p:style>
+        <p:txBody>
+          <a:bodyPr rtlCol="0" anchor="ctr"/>
+          <a:lstStyle/>
+          <a:p>
+            <a:pPr algn="ctr"/>
+            <a:r>
+              <a:rPr lang="de-DE" dirty="0">
+                <a:solidFill>
+                  <a:schemeClr val="bg1"/>
+                </a:solidFill>
+              </a:rPr>
+              <a:t>Vermeiden</a:t>
+            </a:r>
+          </a:p>
+        </p:txBody>
+      </p:sp>
+      <p:sp>
+        <p:nvSpPr>
+          <p:cNvPr id="6" name="Rechteck 5"/>
+          <p:cNvSpPr/>
+          <p:nvPr/>
+        </p:nvSpPr>
+        <p:spPr>
+          <a:xfrm>
+            <a:off x="5307233" y="3978876"/>
+            <a:ext cx="1806146" cy="2426040"/>
+          </a:xfrm>
+          <a:prstGeom prst="rect">
+            <a:avLst/>
+          </a:prstGeom>
+          <a:solidFill>
+            <a:schemeClr val="accent1"/>
+          </a:solidFill>
+          <a:ln>
+            <a:solidFill>
+              <a:schemeClr val="accent1"/>
+            </a:solidFill>
+          </a:ln>
+        </p:spPr>
+        <p:style>
+          <a:lnRef idx="2">
+            <a:schemeClr val="accent6"/>
+          </a:lnRef>
+          <a:fillRef idx="1">
+            <a:schemeClr val="lt1"/>
+          </a:fillRef>
+          <a:effectRef idx="0">
+            <a:schemeClr val="accent6"/>
+          </a:effectRef>
+          <a:fontRef idx="minor">
+            <a:schemeClr val="dk1"/>
+          </a:fontRef>
+        </p:style>
+        <p:txBody>
+          <a:bodyPr rtlCol="0" anchor="ctr"/>
+          <a:lstStyle/>
+          <a:p>
+            <a:pPr algn="ctr"/>
+            <a:r>
+              <a:rPr lang="de-DE" dirty="0">
+                <a:solidFill>
+                  <a:schemeClr val="bg1"/>
+                </a:solidFill>
+              </a:rPr>
+              <a:t>Versichern</a:t>
+            </a:r>
+          </a:p>
+        </p:txBody>
+      </p:sp>
+      <p:sp>
+        <p:nvSpPr>
+          <p:cNvPr id="7" name="Rechteck 6"/>
+          <p:cNvSpPr/>
+          <p:nvPr/>
+        </p:nvSpPr>
+        <p:spPr>
+          <a:xfrm>
+            <a:off x="7510859" y="5263978"/>
+            <a:ext cx="1806146" cy="1140937"/>
+          </a:xfrm>
+          <a:prstGeom prst="rect">
+            <a:avLst/>
+          </a:prstGeom>
+          <a:solidFill>
+            <a:schemeClr val="accent1"/>
+          </a:solidFill>
+          <a:ln>
+            <a:solidFill>
+              <a:schemeClr val="accent1"/>
+            </a:solidFill>
+          </a:ln>
+        </p:spPr>
+        <p:style>
+          <a:lnRef idx="2">
+            <a:schemeClr val="accent6"/>
+          </a:lnRef>
+          <a:fillRef idx="1">
+            <a:schemeClr val="lt1"/>
+          </a:fillRef>
+          <a:effectRef idx="0">
+            <a:schemeClr val="accent6"/>
+          </a:effectRef>
+          <a:fontRef idx="minor">
+            <a:schemeClr val="dk1"/>
+          </a:fontRef>
+        </p:style>
+        <p:txBody>
+          <a:bodyPr rtlCol="0" anchor="ctr"/>
+          <a:lstStyle/>
+          <a:p>
+            <a:pPr algn="ctr"/>
+            <a:r>
+              <a:rPr lang="de-DE" dirty="0">
+                <a:solidFill>
+                  <a:schemeClr val="bg1"/>
+                </a:solidFill>
+              </a:rPr>
+              <a:t>Akzeptieren</a:t>
+            </a:r>
+          </a:p>
+        </p:txBody>
+      </p:sp>
+      <p:sp>
+        <p:nvSpPr>
+          <p:cNvPr id="8" name="Rechteck 7"/>
+          <p:cNvSpPr/>
+          <p:nvPr/>
+        </p:nvSpPr>
+        <p:spPr>
+          <a:xfrm>
+            <a:off x="9714485" y="5263978"/>
+            <a:ext cx="1806146" cy="1140937"/>
+          </a:xfrm>
+          <a:prstGeom prst="rect">
+            <a:avLst/>
+          </a:prstGeom>
+          <a:ln/>
+        </p:spPr>
+        <p:style>
+          <a:lnRef idx="2">
+            <a:schemeClr val="accent1"/>
+          </a:lnRef>
+          <a:fillRef idx="1">
+            <a:schemeClr val="lt1"/>
+          </a:fillRef>
+          <a:effectRef idx="0">
+            <a:schemeClr val="accent1"/>
+          </a:effectRef>
+          <a:fontRef idx="minor">
+            <a:schemeClr val="dk1"/>
+          </a:fontRef>
+        </p:style>
+        <p:txBody>
+          <a:bodyPr rtlCol="0" anchor="ctr"/>
+          <a:lstStyle/>
+          <a:p>
+            <a:pPr algn="ctr"/>
+            <a:r>
+              <a:rPr lang="de-DE" dirty="0">
+                <a:solidFill>
+                  <a:schemeClr val="tx1"/>
+                </a:solidFill>
+              </a:rPr>
+              <a:t>Restrisiko</a:t>
+            </a:r>
+          </a:p>
+        </p:txBody>
+      </p:sp>
+      <p:sp>
+        <p:nvSpPr>
+          <p:cNvPr id="9" name="Pfeil nach rechts 8"/>
+          <p:cNvSpPr/>
+          <p:nvPr/>
+        </p:nvSpPr>
+        <p:spPr>
+          <a:xfrm>
+            <a:off x="2817341" y="1690687"/>
+            <a:ext cx="2092412" cy="1003086"/>
+          </a:xfrm>
+          <a:prstGeom prst="rightArrow">
+            <a:avLst/>
+          </a:prstGeom>
+        </p:spPr>
+        <p:style>
+          <a:lnRef idx="2">
+            <a:schemeClr val="accent1">
+              <a:shade val="50000"/>
+            </a:schemeClr>
+          </a:lnRef>
+          <a:fillRef idx="1">
+            <a:schemeClr val="accent1"/>
+          </a:fillRef>
+          <a:effectRef idx="0">
+            <a:schemeClr val="accent1"/>
+          </a:effectRef>
+          <a:fontRef idx="minor">
+            <a:schemeClr val="lt1"/>
+          </a:fontRef>
+        </p:style>
+        <p:txBody>
+          <a:bodyPr rtlCol="0" anchor="ctr"/>
+          <a:lstStyle/>
+          <a:p>
+            <a:pPr algn="ctr"/>
+            <a:r>
+              <a:rPr lang="de-DE" sz="1600" dirty="0"/>
+              <a:t>Fehlkompetenz vermeiden</a:t>
+            </a:r>
+          </a:p>
+        </p:txBody>
+      </p:sp>
+      <p:sp>
+        <p:nvSpPr>
+          <p:cNvPr id="10" name="Pfeil nach rechts 9"/>
+          <p:cNvSpPr/>
+          <p:nvPr/>
+        </p:nvSpPr>
+        <p:spPr>
+          <a:xfrm>
+            <a:off x="5020967" y="3128192"/>
+            <a:ext cx="2092412" cy="850684"/>
+          </a:xfrm>
+          <a:prstGeom prst="rightArrow">
+            <a:avLst/>
+          </a:prstGeom>
+        </p:spPr>
+        <p:style>
+          <a:lnRef idx="2">
+            <a:schemeClr val="accent1">
+              <a:shade val="50000"/>
+            </a:schemeClr>
+          </a:lnRef>
+          <a:fillRef idx="1">
+            <a:schemeClr val="accent1"/>
+          </a:fillRef>
+          <a:effectRef idx="0">
+            <a:schemeClr val="accent1"/>
+          </a:effectRef>
+          <a:fontRef idx="minor">
+            <a:schemeClr val="lt1"/>
+          </a:fontRef>
+        </p:style>
+        <p:txBody>
+          <a:bodyPr rtlCol="0" anchor="ctr"/>
+          <a:lstStyle/>
+          <a:p>
+            <a:pPr algn="ctr"/>
+            <a:r>
+              <a:rPr lang="de-DE" sz="1400" dirty="0"/>
+              <a:t>Ausgeglichene Teamstruktur </a:t>
+            </a:r>
+          </a:p>
+        </p:txBody>
+      </p:sp>
+      <p:sp>
+        <p:nvSpPr>
+          <p:cNvPr id="11" name="Pfeil nach rechts 10"/>
+          <p:cNvSpPr/>
+          <p:nvPr/>
+        </p:nvSpPr>
+        <p:spPr>
+          <a:xfrm>
+            <a:off x="7224593" y="4380344"/>
+            <a:ext cx="2092412" cy="681809"/>
+          </a:xfrm>
+          <a:prstGeom prst="rightArrow">
+            <a:avLst/>
+          </a:prstGeom>
+        </p:spPr>
+        <p:style>
+          <a:lnRef idx="2">
+            <a:schemeClr val="accent1">
+              <a:shade val="50000"/>
+            </a:schemeClr>
+          </a:lnRef>
+          <a:fillRef idx="1">
+            <a:schemeClr val="accent1"/>
+          </a:fillRef>
+          <a:effectRef idx="0">
+            <a:schemeClr val="accent1"/>
+          </a:effectRef>
+          <a:fontRef idx="minor">
+            <a:schemeClr val="lt1"/>
+          </a:fontRef>
+        </p:style>
+        <p:txBody>
+          <a:bodyPr rtlCol="0" anchor="ctr"/>
+          <a:lstStyle/>
+          <a:p>
+            <a:pPr algn="ctr"/>
+            <a:r>
+              <a:rPr lang="de-DE" sz="1200" dirty="0"/>
+              <a:t>Teamkonflikte</a:t>
+            </a:r>
+          </a:p>
+        </p:txBody>
+      </p:sp>
+    </p:spTree>
+    <p:extLst>
+      <p:ext uri="{BB962C8B-B14F-4D97-AF65-F5344CB8AC3E}">
+        <p14:creationId xmlns:p14="http://schemas.microsoft.com/office/powerpoint/2010/main" val="1861111016"/>
+      </p:ext>
+    </p:extLst>
+  </p:cSld>
+  <p:clrMapOvr>
+    <a:masterClrMapping/>
+  </p:clrMapOvr>
+</p:sld>
+</file>
+
+<file path=ppt/slides/slide11.xml><?xml version="1.0" encoding="utf-8"?>
+<p:sld xmlns:a="http://schemas.openxmlformats.org/drawingml/2006/main" xmlns:r="http://schemas.openxmlformats.org/officeDocument/2006/relationships" xmlns:p="http://schemas.openxmlformats.org/presentationml/2006/main">
+  <p:cSld>
+    <p:spTree>
+      <p:nvGrpSpPr>
+        <p:cNvPr id="1" name=""/>
+        <p:cNvGrpSpPr/>
+        <p:nvPr/>
+      </p:nvGrpSpPr>
+      <p:grpSpPr>
+        <a:xfrm>
+          <a:off x="0" y="0"/>
+          <a:ext cx="0" cy="0"/>
+          <a:chOff x="0" y="0"/>
+          <a:chExt cx="0" cy="0"/>
+        </a:xfrm>
+      </p:grpSpPr>
+      <p:sp>
+        <p:nvSpPr>
+          <p:cNvPr id="2" name="Titel 1"/>
+          <p:cNvSpPr>
+            <a:spLocks noGrp="1"/>
+          </p:cNvSpPr>
+          <p:nvPr>
+            <p:ph type="title"/>
+          </p:nvPr>
+        </p:nvSpPr>
+        <p:spPr/>
+        <p:txBody>
+          <a:bodyPr/>
+          <a:lstStyle/>
+          <a:p>
+            <a:r>
+              <a:rPr lang="de-DE" dirty="0"/>
+              <a:t>Fehlerhafte Dokumentation</a:t>
+            </a:r>
+          </a:p>
+        </p:txBody>
+      </p:sp>
+      <p:sp>
+        <p:nvSpPr>
+          <p:cNvPr id="4" name="Rechteck 3"/>
+          <p:cNvSpPr/>
+          <p:nvPr/>
+        </p:nvSpPr>
+        <p:spPr>
+          <a:xfrm>
+            <a:off x="899981" y="1865870"/>
+            <a:ext cx="1806146" cy="4522573"/>
+          </a:xfrm>
+          <a:prstGeom prst="rect">
+            <a:avLst/>
+          </a:prstGeom>
+          <a:ln>
+            <a:solidFill>
+              <a:schemeClr val="accent1"/>
+            </a:solidFill>
+          </a:ln>
+        </p:spPr>
+        <p:style>
+          <a:lnRef idx="2">
+            <a:schemeClr val="accent6"/>
+          </a:lnRef>
+          <a:fillRef idx="1">
+            <a:schemeClr val="lt1"/>
+          </a:fillRef>
+          <a:effectRef idx="0">
+            <a:schemeClr val="accent6"/>
+          </a:effectRef>
+          <a:fontRef idx="minor">
+            <a:schemeClr val="dk1"/>
+          </a:fontRef>
+        </p:style>
+        <p:txBody>
+          <a:bodyPr rtlCol="0" anchor="ctr"/>
+          <a:lstStyle/>
+          <a:p>
+            <a:pPr algn="ctr"/>
+            <a:r>
+              <a:rPr lang="de-DE" dirty="0">
+                <a:solidFill>
+                  <a:schemeClr val="tx1"/>
+                </a:solidFill>
+              </a:rPr>
+              <a:t>Fehlerhafte Dokumentation</a:t>
+            </a:r>
+          </a:p>
+        </p:txBody>
+      </p:sp>
+      <p:sp>
+        <p:nvSpPr>
+          <p:cNvPr id="5" name="Rechteck 4"/>
+          <p:cNvSpPr/>
+          <p:nvPr/>
+        </p:nvSpPr>
+        <p:spPr>
+          <a:xfrm>
+            <a:off x="3103607" y="2693773"/>
+            <a:ext cx="1806146" cy="3694670"/>
+          </a:xfrm>
+          <a:prstGeom prst="rect">
+            <a:avLst/>
+          </a:prstGeom>
+          <a:solidFill>
+            <a:schemeClr val="accent1"/>
+          </a:solidFill>
+          <a:ln>
+            <a:solidFill>
+              <a:schemeClr val="accent1"/>
+            </a:solidFill>
+          </a:ln>
+        </p:spPr>
+        <p:style>
+          <a:lnRef idx="2">
+            <a:schemeClr val="accent6"/>
+          </a:lnRef>
+          <a:fillRef idx="1">
+            <a:schemeClr val="lt1"/>
+          </a:fillRef>
+          <a:effectRef idx="0">
+            <a:schemeClr val="accent6"/>
+          </a:effectRef>
+          <a:fontRef idx="minor">
+            <a:schemeClr val="dk1"/>
+          </a:fontRef>
+        </p:style>
+        <p:txBody>
+          <a:bodyPr rtlCol="0" anchor="ctr"/>
+          <a:lstStyle/>
+          <a:p>
+            <a:pPr algn="ctr"/>
+            <a:r>
+              <a:rPr lang="de-DE" dirty="0">
+                <a:solidFill>
+                  <a:schemeClr val="bg1"/>
+                </a:solidFill>
+              </a:rPr>
+              <a:t>Vermeiden</a:t>
+            </a:r>
+          </a:p>
+        </p:txBody>
+      </p:sp>
+      <p:sp>
+        <p:nvSpPr>
+          <p:cNvPr id="6" name="Rechteck 5"/>
+          <p:cNvSpPr/>
+          <p:nvPr/>
+        </p:nvSpPr>
+        <p:spPr>
+          <a:xfrm>
+            <a:off x="5307233" y="3978876"/>
+            <a:ext cx="1806146" cy="2426040"/>
+          </a:xfrm>
+          <a:prstGeom prst="rect">
+            <a:avLst/>
+          </a:prstGeom>
+          <a:solidFill>
+            <a:schemeClr val="accent1"/>
+          </a:solidFill>
+          <a:ln>
+            <a:solidFill>
+              <a:schemeClr val="accent1"/>
+            </a:solidFill>
+          </a:ln>
+        </p:spPr>
+        <p:style>
+          <a:lnRef idx="2">
+            <a:schemeClr val="accent6"/>
+          </a:lnRef>
+          <a:fillRef idx="1">
+            <a:schemeClr val="lt1"/>
+          </a:fillRef>
+          <a:effectRef idx="0">
+            <a:schemeClr val="accent6"/>
+          </a:effectRef>
+          <a:fontRef idx="minor">
+            <a:schemeClr val="dk1"/>
+          </a:fontRef>
+        </p:style>
+        <p:txBody>
+          <a:bodyPr rtlCol="0" anchor="ctr"/>
+          <a:lstStyle/>
+          <a:p>
+            <a:pPr algn="ctr"/>
+            <a:r>
+              <a:rPr lang="de-DE" dirty="0">
+                <a:solidFill>
+                  <a:schemeClr val="bg1"/>
+                </a:solidFill>
+              </a:rPr>
+              <a:t>Versichern</a:t>
+            </a:r>
+          </a:p>
+        </p:txBody>
+      </p:sp>
+      <p:sp>
+        <p:nvSpPr>
+          <p:cNvPr id="7" name="Rechteck 6"/>
+          <p:cNvSpPr/>
+          <p:nvPr/>
+        </p:nvSpPr>
+        <p:spPr>
+          <a:xfrm>
+            <a:off x="7510859" y="5263978"/>
+            <a:ext cx="1806146" cy="1140937"/>
+          </a:xfrm>
+          <a:prstGeom prst="rect">
+            <a:avLst/>
+          </a:prstGeom>
+          <a:solidFill>
+            <a:schemeClr val="accent1"/>
+          </a:solidFill>
+          <a:ln>
+            <a:solidFill>
+              <a:schemeClr val="accent1"/>
+            </a:solidFill>
+          </a:ln>
+        </p:spPr>
+        <p:style>
+          <a:lnRef idx="2">
+            <a:schemeClr val="accent6"/>
+          </a:lnRef>
+          <a:fillRef idx="1">
+            <a:schemeClr val="lt1"/>
+          </a:fillRef>
+          <a:effectRef idx="0">
+            <a:schemeClr val="accent6"/>
+          </a:effectRef>
+          <a:fontRef idx="minor">
+            <a:schemeClr val="dk1"/>
+          </a:fontRef>
+        </p:style>
+        <p:txBody>
+          <a:bodyPr rtlCol="0" anchor="ctr"/>
+          <a:lstStyle/>
+          <a:p>
+            <a:pPr algn="ctr"/>
+            <a:r>
+              <a:rPr lang="de-DE" dirty="0">
+                <a:solidFill>
+                  <a:schemeClr val="bg1"/>
+                </a:solidFill>
+              </a:rPr>
+              <a:t>Akzeptieren</a:t>
+            </a:r>
+          </a:p>
+        </p:txBody>
+      </p:sp>
+      <p:sp>
+        <p:nvSpPr>
+          <p:cNvPr id="8" name="Rechteck 7"/>
+          <p:cNvSpPr/>
+          <p:nvPr/>
+        </p:nvSpPr>
+        <p:spPr>
+          <a:xfrm>
+            <a:off x="9714485" y="5263978"/>
+            <a:ext cx="1806146" cy="1140937"/>
+          </a:xfrm>
+          <a:prstGeom prst="rect">
+            <a:avLst/>
+          </a:prstGeom>
+          <a:ln/>
+        </p:spPr>
+        <p:style>
+          <a:lnRef idx="2">
+            <a:schemeClr val="accent1"/>
+          </a:lnRef>
+          <a:fillRef idx="1">
+            <a:schemeClr val="lt1"/>
+          </a:fillRef>
+          <a:effectRef idx="0">
+            <a:schemeClr val="accent1"/>
+          </a:effectRef>
+          <a:fontRef idx="minor">
+            <a:schemeClr val="dk1"/>
+          </a:fontRef>
+        </p:style>
+        <p:txBody>
+          <a:bodyPr rtlCol="0" anchor="ctr"/>
+          <a:lstStyle/>
+          <a:p>
+            <a:pPr algn="ctr"/>
+            <a:r>
+              <a:rPr lang="de-DE" dirty="0">
+                <a:solidFill>
+                  <a:schemeClr val="tx1"/>
+                </a:solidFill>
+              </a:rPr>
+              <a:t>Restrisiko</a:t>
+            </a:r>
+          </a:p>
+        </p:txBody>
+      </p:sp>
+      <p:sp>
+        <p:nvSpPr>
+          <p:cNvPr id="9" name="Pfeil nach rechts 8"/>
+          <p:cNvSpPr/>
+          <p:nvPr/>
+        </p:nvSpPr>
+        <p:spPr>
+          <a:xfrm>
+            <a:off x="2817341" y="1690687"/>
+            <a:ext cx="2092412" cy="1003086"/>
+          </a:xfrm>
+          <a:prstGeom prst="rightArrow">
+            <a:avLst/>
+          </a:prstGeom>
+        </p:spPr>
+        <p:style>
+          <a:lnRef idx="2">
+            <a:schemeClr val="accent1">
+              <a:shade val="50000"/>
+            </a:schemeClr>
+          </a:lnRef>
+          <a:fillRef idx="1">
+            <a:schemeClr val="accent1"/>
+          </a:fillRef>
+          <a:effectRef idx="0">
+            <a:schemeClr val="accent1"/>
+          </a:effectRef>
+          <a:fontRef idx="minor">
+            <a:schemeClr val="lt1"/>
+          </a:fontRef>
+        </p:style>
+        <p:txBody>
+          <a:bodyPr rtlCol="0" anchor="ctr"/>
+          <a:lstStyle/>
+          <a:p>
+            <a:pPr algn="ctr"/>
+            <a:r>
+              <a:rPr lang="de-DE" sz="1600" dirty="0"/>
+              <a:t>Nachträgliche Dokumentation</a:t>
+            </a:r>
+          </a:p>
+        </p:txBody>
+      </p:sp>
+      <p:sp>
+        <p:nvSpPr>
+          <p:cNvPr id="10" name="Pfeil nach rechts 9"/>
+          <p:cNvSpPr/>
+          <p:nvPr/>
+        </p:nvSpPr>
+        <p:spPr>
+          <a:xfrm>
+            <a:off x="5020967" y="3128192"/>
+            <a:ext cx="2092412" cy="850684"/>
+          </a:xfrm>
+          <a:prstGeom prst="rightArrow">
+            <a:avLst/>
+          </a:prstGeom>
+        </p:spPr>
+        <p:style>
+          <a:lnRef idx="2">
+            <a:schemeClr val="accent1">
+              <a:shade val="50000"/>
+            </a:schemeClr>
+          </a:lnRef>
+          <a:fillRef idx="1">
+            <a:schemeClr val="accent1"/>
+          </a:fillRef>
+          <a:effectRef idx="0">
+            <a:schemeClr val="accent1"/>
+          </a:effectRef>
+          <a:fontRef idx="minor">
+            <a:schemeClr val="lt1"/>
+          </a:fontRef>
+        </p:style>
+        <p:txBody>
+          <a:bodyPr rtlCol="0" anchor="ctr"/>
+          <a:lstStyle/>
+          <a:p>
+            <a:pPr algn="ctr"/>
+            <a:r>
+              <a:rPr lang="de-DE" sz="1400" dirty="0"/>
+              <a:t>Korrekte Dokumentation</a:t>
+            </a:r>
+          </a:p>
+        </p:txBody>
+      </p:sp>
+      <p:sp>
+        <p:nvSpPr>
+          <p:cNvPr id="11" name="Pfeil nach rechts 10"/>
+          <p:cNvSpPr/>
+          <p:nvPr/>
+        </p:nvSpPr>
+        <p:spPr>
+          <a:xfrm>
+            <a:off x="7224593" y="4380344"/>
+            <a:ext cx="2092412" cy="681809"/>
+          </a:xfrm>
+          <a:prstGeom prst="rightArrow">
+            <a:avLst/>
+          </a:prstGeom>
+        </p:spPr>
+        <p:style>
+          <a:lnRef idx="2">
+            <a:schemeClr val="accent1">
+              <a:shade val="50000"/>
+            </a:schemeClr>
+          </a:lnRef>
+          <a:fillRef idx="1">
+            <a:schemeClr val="accent1"/>
+          </a:fillRef>
+          <a:effectRef idx="0">
+            <a:schemeClr val="accent1"/>
+          </a:effectRef>
+          <a:fontRef idx="minor">
+            <a:schemeClr val="lt1"/>
+          </a:fontRef>
+        </p:style>
+        <p:txBody>
+          <a:bodyPr rtlCol="0" anchor="ctr"/>
+          <a:lstStyle/>
+          <a:p>
+            <a:pPr algn="ctr"/>
+            <a:r>
+              <a:rPr lang="de-DE" sz="1200"/>
+              <a:t>Nachträgliche Dokumentationen</a:t>
+            </a:r>
+            <a:endParaRPr lang="de-DE" sz="1200" dirty="0"/>
+          </a:p>
+        </p:txBody>
+      </p:sp>
+    </p:spTree>
+    <p:extLst>
+      <p:ext uri="{BB962C8B-B14F-4D97-AF65-F5344CB8AC3E}">
+        <p14:creationId xmlns:p14="http://schemas.microsoft.com/office/powerpoint/2010/main" val="2286489164"/>
+      </p:ext>
+    </p:extLst>
+  </p:cSld>
+  <p:clrMapOvr>
+    <a:masterClrMapping/>
+  </p:clrMapOvr>
+</p:sld>
+</file>
+
 <file path=ppt/slides/slide2.xml><?xml version="1.0" encoding="utf-8"?>
 <p:sld xmlns:a="http://schemas.openxmlformats.org/drawingml/2006/main" xmlns:r="http://schemas.openxmlformats.org/officeDocument/2006/relationships" xmlns:p="http://schemas.openxmlformats.org/presentationml/2006/main">
   <p:cSld>
@@ -3079,10 +3958,9 @@
           <a:lstStyle/>
           <a:p>
             <a:r>
-              <a:rPr lang="de-DE" dirty="0" smtClean="0"/>
+              <a:rPr lang="de-DE" dirty="0"/>
               <a:t>Risikotabelle</a:t>
             </a:r>
-            <a:endParaRPr lang="de-DE" dirty="0"/>
           </a:p>
         </p:txBody>
       </p:sp>
@@ -3096,14 +3974,14 @@
             <p:ph idx="1"/>
             <p:extLst>
               <p:ext uri="{D42A27DB-BD31-4B8C-83A1-F6EECF244321}">
-                <p14:modId xmlns:p14="http://schemas.microsoft.com/office/powerpoint/2010/main" val="1148701445"/>
+                <p14:modId xmlns:p14="http://schemas.microsoft.com/office/powerpoint/2010/main" val="1580459894"/>
               </p:ext>
             </p:extLst>
           </p:nvPr>
         </p:nvGraphicFramePr>
         <p:xfrm>
-          <a:off x="838200" y="1825625"/>
-          <a:ext cx="10515600" cy="3845560"/>
+          <a:off x="838200" y="1405496"/>
+          <a:ext cx="10515600" cy="5125720"/>
         </p:xfrm>
         <a:graphic>
           <a:graphicData uri="http://schemas.openxmlformats.org/drawingml/2006/table">
@@ -3112,11 +3990,41 @@
                 <a:tableStyleId>{5C22544A-7EE6-4342-B048-85BDC9FD1C3A}</a:tableStyleId>
               </a:tblPr>
               <a:tblGrid>
-                <a:gridCol w="1050985"/>
-                <a:gridCol w="2199736"/>
-                <a:gridCol w="1509622"/>
-                <a:gridCol w="2294627"/>
-                <a:gridCol w="3460630"/>
+                <a:gridCol w="1050985">
+                  <a:extLst>
+                    <a:ext uri="{9D8B030D-6E8A-4147-A177-3AD203B41FA5}">
+                      <a16:colId xmlns:a16="http://schemas.microsoft.com/office/drawing/2014/main" val="20000"/>
+                    </a:ext>
+                  </a:extLst>
+                </a:gridCol>
+                <a:gridCol w="2324469">
+                  <a:extLst>
+                    <a:ext uri="{9D8B030D-6E8A-4147-A177-3AD203B41FA5}">
+                      <a16:colId xmlns:a16="http://schemas.microsoft.com/office/drawing/2014/main" val="20001"/>
+                    </a:ext>
+                  </a:extLst>
+                </a:gridCol>
+                <a:gridCol w="1384889">
+                  <a:extLst>
+                    <a:ext uri="{9D8B030D-6E8A-4147-A177-3AD203B41FA5}">
+                      <a16:colId xmlns:a16="http://schemas.microsoft.com/office/drawing/2014/main" val="20002"/>
+                    </a:ext>
+                  </a:extLst>
+                </a:gridCol>
+                <a:gridCol w="2294627">
+                  <a:extLst>
+                    <a:ext uri="{9D8B030D-6E8A-4147-A177-3AD203B41FA5}">
+                      <a16:colId xmlns:a16="http://schemas.microsoft.com/office/drawing/2014/main" val="20003"/>
+                    </a:ext>
+                  </a:extLst>
+                </a:gridCol>
+                <a:gridCol w="3460630">
+                  <a:extLst>
+                    <a:ext uri="{9D8B030D-6E8A-4147-A177-3AD203B41FA5}">
+                      <a16:colId xmlns:a16="http://schemas.microsoft.com/office/drawing/2014/main" val="20004"/>
+                    </a:ext>
+                  </a:extLst>
+                </a:gridCol>
               </a:tblGrid>
               <a:tr h="370840">
                 <a:tc>
@@ -3125,10 +4033,9 @@
                     <a:lstStyle/>
                     <a:p>
                       <a:r>
-                        <a:rPr lang="de-DE" dirty="0" smtClean="0"/>
+                        <a:rPr lang="de-DE" dirty="0"/>
                         <a:t>Risiko-ID</a:t>
                       </a:r>
-                      <a:endParaRPr lang="de-DE" dirty="0"/>
                     </a:p>
                   </a:txBody>
                   <a:tcPr/>
@@ -3139,10 +4046,9 @@
                     <a:lstStyle/>
                     <a:p>
                       <a:r>
-                        <a:rPr lang="de-DE" dirty="0" smtClean="0"/>
+                        <a:rPr lang="de-DE" dirty="0"/>
                         <a:t>Risikobeschreibung</a:t>
                       </a:r>
-                      <a:endParaRPr lang="de-DE" dirty="0"/>
                     </a:p>
                   </a:txBody>
                   <a:tcPr/>
@@ -3153,10 +4059,9 @@
                     <a:lstStyle/>
                     <a:p>
                       <a:r>
-                        <a:rPr lang="de-DE" dirty="0" smtClean="0"/>
+                        <a:rPr lang="de-DE" dirty="0"/>
                         <a:t>Risikoart</a:t>
                       </a:r>
-                      <a:endParaRPr lang="de-DE" dirty="0"/>
                     </a:p>
                   </a:txBody>
                   <a:tcPr/>
@@ -3167,10 +4072,9 @@
                     <a:lstStyle/>
                     <a:p>
                       <a:r>
-                        <a:rPr lang="de-DE" dirty="0" smtClean="0"/>
+                        <a:rPr lang="de-DE" dirty="0"/>
                         <a:t>Ursache</a:t>
                       </a:r>
-                      <a:endParaRPr lang="de-DE" dirty="0"/>
                     </a:p>
                   </a:txBody>
                   <a:tcPr/>
@@ -3181,14 +4085,18 @@
                     <a:lstStyle/>
                     <a:p>
                       <a:r>
-                        <a:rPr lang="de-DE" dirty="0" smtClean="0"/>
+                        <a:rPr lang="de-DE" dirty="0"/>
                         <a:t>Wirkung</a:t>
                       </a:r>
-                      <a:endParaRPr lang="de-DE" dirty="0"/>
                     </a:p>
                   </a:txBody>
                   <a:tcPr/>
                 </a:tc>
+                <a:extLst>
+                  <a:ext uri="{0D108BD9-81ED-4DB2-BD59-A6C34878D82A}">
+                    <a16:rowId xmlns:a16="http://schemas.microsoft.com/office/drawing/2014/main" val="10000"/>
+                  </a:ext>
+                </a:extLst>
               </a:tr>
               <a:tr h="370840">
                 <a:tc>
@@ -3197,10 +4105,9 @@
                     <a:lstStyle/>
                     <a:p>
                       <a:r>
-                        <a:rPr lang="de-DE" dirty="0" smtClean="0"/>
+                        <a:rPr lang="de-DE" dirty="0"/>
                         <a:t>1</a:t>
                       </a:r>
-                      <a:endParaRPr lang="de-DE" dirty="0"/>
                     </a:p>
                   </a:txBody>
                   <a:tcPr/>
@@ -3211,10 +4118,9 @@
                     <a:lstStyle/>
                     <a:p>
                       <a:r>
-                        <a:rPr lang="de-DE" dirty="0" smtClean="0"/>
-                        <a:t>Zeitproblematik</a:t>
+                        <a:rPr lang="de-DE" dirty="0"/>
+                        <a:t>Zeitknappheit</a:t>
                       </a:r>
-                      <a:endParaRPr lang="de-DE" dirty="0"/>
                     </a:p>
                   </a:txBody>
                   <a:tcPr/>
@@ -3225,10 +4131,9 @@
                     <a:lstStyle/>
                     <a:p>
                       <a:r>
-                        <a:rPr lang="de-DE" dirty="0" smtClean="0"/>
+                        <a:rPr lang="de-DE" dirty="0"/>
                         <a:t>Zeitlich</a:t>
                       </a:r>
-                      <a:endParaRPr lang="de-DE" dirty="0"/>
                     </a:p>
                   </a:txBody>
                   <a:tcPr/>
@@ -3239,11 +4144,11 @@
                     <a:lstStyle/>
                     <a:p>
                       <a:r>
-                        <a:rPr lang="de-DE" dirty="0" smtClean="0"/>
+                        <a:rPr lang="de-DE" dirty="0"/>
                         <a:t>Fehlerhaftes</a:t>
                       </a:r>
                       <a:r>
-                        <a:rPr lang="de-DE" baseline="0" dirty="0" smtClean="0"/>
+                        <a:rPr lang="de-DE" baseline="0" dirty="0"/>
                         <a:t> Zeitmanagement</a:t>
                       </a:r>
                       <a:endParaRPr lang="de-DE" dirty="0"/>
@@ -3274,13 +4179,18 @@
                         <a:defRPr/>
                       </a:pPr>
                       <a:r>
-                        <a:rPr lang="de-DE" dirty="0" smtClean="0"/>
+                        <a:rPr lang="de-DE" dirty="0"/>
                         <a:t>Nichteinhaltung der Meilensteine</a:t>
                       </a:r>
                     </a:p>
                   </a:txBody>
                   <a:tcPr/>
                 </a:tc>
+                <a:extLst>
+                  <a:ext uri="{0D108BD9-81ED-4DB2-BD59-A6C34878D82A}">
+                    <a16:rowId xmlns:a16="http://schemas.microsoft.com/office/drawing/2014/main" val="10001"/>
+                  </a:ext>
+                </a:extLst>
               </a:tr>
               <a:tr h="370840">
                 <a:tc>
@@ -3289,10 +4199,9 @@
                     <a:lstStyle/>
                     <a:p>
                       <a:r>
-                        <a:rPr lang="de-DE" dirty="0" smtClean="0"/>
+                        <a:rPr lang="de-DE" dirty="0"/>
                         <a:t>2</a:t>
                       </a:r>
-                      <a:endParaRPr lang="de-DE" dirty="0"/>
                     </a:p>
                   </a:txBody>
                   <a:tcPr/>
@@ -3303,7 +4212,7 @@
                     <a:lstStyle/>
                     <a:p>
                       <a:r>
-                        <a:rPr lang="de-DE" dirty="0" err="1" smtClean="0"/>
+                        <a:rPr lang="de-DE" dirty="0" err="1"/>
                         <a:t>Stakeholderrisiko</a:t>
                       </a:r>
                       <a:endParaRPr lang="de-DE" dirty="0"/>
@@ -3317,10 +4226,9 @@
                     <a:lstStyle/>
                     <a:p>
                       <a:r>
-                        <a:rPr lang="de-DE" dirty="0" smtClean="0"/>
+                        <a:rPr lang="de-DE" dirty="0"/>
                         <a:t>verschiedene</a:t>
                       </a:r>
-                      <a:endParaRPr lang="de-DE" dirty="0"/>
                     </a:p>
                   </a:txBody>
                   <a:tcPr/>
@@ -3331,11 +4239,11 @@
                     <a:lstStyle/>
                     <a:p>
                       <a:r>
-                        <a:rPr lang="de-DE" dirty="0" smtClean="0"/>
+                        <a:rPr lang="de-DE" dirty="0"/>
                         <a:t>Fehlerhafte</a:t>
                       </a:r>
                       <a:r>
-                        <a:rPr lang="de-DE" baseline="0" dirty="0" smtClean="0"/>
+                        <a:rPr lang="de-DE" baseline="0" dirty="0"/>
                         <a:t> Kommunikation o. Absprache</a:t>
                       </a:r>
                       <a:endParaRPr lang="de-DE" dirty="0"/>
@@ -3349,11 +4257,11 @@
                     <a:lstStyle/>
                     <a:p>
                       <a:r>
-                        <a:rPr lang="de-DE" dirty="0" smtClean="0"/>
+                        <a:rPr lang="de-DE" dirty="0"/>
                         <a:t>Fehlentwicklung der</a:t>
                       </a:r>
                       <a:r>
-                        <a:rPr lang="de-DE" baseline="0" dirty="0" smtClean="0"/>
+                        <a:rPr lang="de-DE" baseline="0" dirty="0"/>
                         <a:t> Anwendung, Nichteinhaltung von Rahmenbedingungen</a:t>
                       </a:r>
                       <a:endParaRPr lang="de-DE" dirty="0"/>
@@ -3361,6 +4269,11 @@
                   </a:txBody>
                   <a:tcPr/>
                 </a:tc>
+                <a:extLst>
+                  <a:ext uri="{0D108BD9-81ED-4DB2-BD59-A6C34878D82A}">
+                    <a16:rowId xmlns:a16="http://schemas.microsoft.com/office/drawing/2014/main" val="10002"/>
+                  </a:ext>
+                </a:extLst>
               </a:tr>
               <a:tr h="370840">
                 <a:tc>
@@ -3369,10 +4282,9 @@
                     <a:lstStyle/>
                     <a:p>
                       <a:r>
-                        <a:rPr lang="de-DE" dirty="0" smtClean="0"/>
+                        <a:rPr lang="de-DE" dirty="0"/>
                         <a:t>3</a:t>
                       </a:r>
-                      <a:endParaRPr lang="de-DE" dirty="0"/>
                     </a:p>
                   </a:txBody>
                   <a:tcPr/>
@@ -3383,10 +4295,9 @@
                     <a:lstStyle/>
                     <a:p>
                       <a:r>
-                        <a:rPr lang="de-DE" dirty="0" smtClean="0"/>
+                        <a:rPr lang="de-DE" dirty="0"/>
                         <a:t>Kostenrisiko</a:t>
                       </a:r>
-                      <a:endParaRPr lang="de-DE" dirty="0"/>
                     </a:p>
                   </a:txBody>
                   <a:tcPr/>
@@ -3397,10 +4308,9 @@
                     <a:lstStyle/>
                     <a:p>
                       <a:r>
-                        <a:rPr lang="de-DE" dirty="0" smtClean="0"/>
+                        <a:rPr lang="de-DE" dirty="0"/>
                         <a:t>Wirtschaftlich</a:t>
                       </a:r>
-                      <a:endParaRPr lang="de-DE" dirty="0"/>
                     </a:p>
                   </a:txBody>
                   <a:tcPr/>
@@ -3411,11 +4321,11 @@
                     <a:lstStyle/>
                     <a:p>
                       <a:r>
-                        <a:rPr lang="de-DE" dirty="0" smtClean="0"/>
+                        <a:rPr lang="de-DE" dirty="0"/>
                         <a:t>Fehlerhafte</a:t>
                       </a:r>
                       <a:r>
-                        <a:rPr lang="de-DE" baseline="0" dirty="0" smtClean="0"/>
+                        <a:rPr lang="de-DE" baseline="0" dirty="0"/>
                         <a:t> Kostenschätzung</a:t>
                       </a:r>
                       <a:endParaRPr lang="de-DE" dirty="0"/>
@@ -3429,11 +4339,11 @@
                     <a:lstStyle/>
                     <a:p>
                       <a:r>
-                        <a:rPr lang="de-DE" dirty="0" smtClean="0"/>
+                        <a:rPr lang="de-DE" dirty="0"/>
                         <a:t>Abbruch</a:t>
                       </a:r>
                       <a:r>
-                        <a:rPr lang="de-DE" baseline="0" dirty="0" smtClean="0"/>
+                        <a:rPr lang="de-DE" baseline="0" dirty="0"/>
                         <a:t> des Projektes oder Beantragung von Zusatzbudget</a:t>
                       </a:r>
                       <a:endParaRPr lang="de-DE" dirty="0"/>
@@ -3441,6 +4351,11 @@
                   </a:txBody>
                   <a:tcPr/>
                 </a:tc>
+                <a:extLst>
+                  <a:ext uri="{0D108BD9-81ED-4DB2-BD59-A6C34878D82A}">
+                    <a16:rowId xmlns:a16="http://schemas.microsoft.com/office/drawing/2014/main" val="10003"/>
+                  </a:ext>
+                </a:extLst>
               </a:tr>
               <a:tr h="320040">
                 <a:tc>
@@ -3449,10 +4364,9 @@
                     <a:lstStyle/>
                     <a:p>
                       <a:r>
-                        <a:rPr lang="de-DE" dirty="0" smtClean="0"/>
+                        <a:rPr lang="de-DE" dirty="0"/>
                         <a:t>4</a:t>
                       </a:r>
-                      <a:endParaRPr lang="de-DE" dirty="0"/>
                     </a:p>
                   </a:txBody>
                   <a:tcPr/>
@@ -3463,10 +4377,9 @@
                     <a:lstStyle/>
                     <a:p>
                       <a:r>
-                        <a:rPr lang="de-DE" dirty="0" smtClean="0"/>
-                        <a:t>Sicherheitsrisiko</a:t>
+                        <a:rPr lang="de-DE" dirty="0"/>
+                        <a:t>Datenschutz</a:t>
                       </a:r>
-                      <a:endParaRPr lang="de-DE" dirty="0"/>
                     </a:p>
                   </a:txBody>
                   <a:tcPr/>
@@ -3477,10 +4390,9 @@
                     <a:lstStyle/>
                     <a:p>
                       <a:r>
-                        <a:rPr lang="de-DE" dirty="0" smtClean="0"/>
+                        <a:rPr lang="de-DE" dirty="0"/>
                         <a:t>technisch</a:t>
                       </a:r>
-                      <a:endParaRPr lang="de-DE" dirty="0"/>
                     </a:p>
                   </a:txBody>
                   <a:tcPr/>
@@ -3491,10 +4403,9 @@
                     <a:lstStyle/>
                     <a:p>
                       <a:r>
-                        <a:rPr lang="de-DE" dirty="0" smtClean="0"/>
+                        <a:rPr lang="de-DE" dirty="0"/>
                         <a:t>Fehlerhafte Programmierung</a:t>
                       </a:r>
-                      <a:endParaRPr lang="de-DE" dirty="0"/>
                     </a:p>
                   </a:txBody>
                   <a:tcPr/>
@@ -3505,11 +4416,11 @@
                     <a:lstStyle/>
                     <a:p>
                       <a:r>
-                        <a:rPr lang="de-DE" dirty="0" smtClean="0"/>
+                        <a:rPr lang="de-DE" dirty="0"/>
                         <a:t>Datenkonsistenz kann gefährdet</a:t>
                       </a:r>
                       <a:r>
-                        <a:rPr lang="de-DE" baseline="0" dirty="0" smtClean="0"/>
+                        <a:rPr lang="de-DE" baseline="0" dirty="0"/>
                         <a:t> werden</a:t>
                       </a:r>
                       <a:endParaRPr lang="de-DE" dirty="0"/>
@@ -3517,6 +4428,11 @@
                   </a:txBody>
                   <a:tcPr/>
                 </a:tc>
+                <a:extLst>
+                  <a:ext uri="{0D108BD9-81ED-4DB2-BD59-A6C34878D82A}">
+                    <a16:rowId xmlns:a16="http://schemas.microsoft.com/office/drawing/2014/main" val="10004"/>
+                  </a:ext>
+                </a:extLst>
               </a:tr>
               <a:tr h="320040">
                 <a:tc>
@@ -3525,10 +4441,9 @@
                     <a:lstStyle/>
                     <a:p>
                       <a:r>
-                        <a:rPr lang="de-DE" dirty="0" smtClean="0"/>
+                        <a:rPr lang="de-DE" dirty="0"/>
                         <a:t>5</a:t>
                       </a:r>
-                      <a:endParaRPr lang="de-DE" dirty="0"/>
                     </a:p>
                   </a:txBody>
                   <a:tcPr/>
@@ -3539,10 +4454,9 @@
                     <a:lstStyle/>
                     <a:p>
                       <a:r>
-                        <a:rPr lang="de-DE" dirty="0" smtClean="0"/>
-                        <a:t>Fehlentwicklung</a:t>
+                        <a:rPr lang="de-DE" dirty="0"/>
+                        <a:t>Abweichung des Projekts</a:t>
                       </a:r>
-                      <a:endParaRPr lang="de-DE" dirty="0"/>
                     </a:p>
                   </a:txBody>
                   <a:tcPr/>
@@ -3553,10 +4467,9 @@
                     <a:lstStyle/>
                     <a:p>
                       <a:r>
-                        <a:rPr lang="de-DE" dirty="0" smtClean="0"/>
+                        <a:rPr lang="de-DE" dirty="0"/>
                         <a:t>Verschiedene</a:t>
                       </a:r>
-                      <a:endParaRPr lang="de-DE" dirty="0"/>
                     </a:p>
                   </a:txBody>
                   <a:tcPr/>
@@ -3567,10 +4480,9 @@
                     <a:lstStyle/>
                     <a:p>
                       <a:r>
-                        <a:rPr lang="de-DE" dirty="0" smtClean="0"/>
+                        <a:rPr lang="de-DE" dirty="0"/>
                         <a:t>Fehlerhafte Analyse oder Umsetzung</a:t>
                       </a:r>
-                      <a:endParaRPr lang="de-DE" dirty="0"/>
                     </a:p>
                   </a:txBody>
                   <a:tcPr/>
@@ -3581,22 +4493,172 @@
                     <a:lstStyle/>
                     <a:p>
                       <a:r>
-                        <a:rPr lang="de-DE" dirty="0" smtClean="0"/>
+                        <a:rPr lang="de-DE" dirty="0"/>
                         <a:t>Anwendung</a:t>
                       </a:r>
                       <a:r>
-                        <a:rPr lang="de-DE" baseline="0" dirty="0" smtClean="0"/>
-                        <a:t> nicht </a:t>
-                      </a:r>
-                      <a:r>
-                        <a:rPr lang="de-DE" baseline="0" smtClean="0"/>
-                        <a:t>zu gebrauchen</a:t>
+                        <a:rPr lang="de-DE" baseline="0" dirty="0"/>
+                        <a:t> nicht zu gebrauchen</a:t>
                       </a:r>
                       <a:endParaRPr lang="de-DE" dirty="0"/>
                     </a:p>
                   </a:txBody>
                   <a:tcPr/>
                 </a:tc>
+                <a:extLst>
+                  <a:ext uri="{0D108BD9-81ED-4DB2-BD59-A6C34878D82A}">
+                    <a16:rowId xmlns:a16="http://schemas.microsoft.com/office/drawing/2014/main" val="10005"/>
+                  </a:ext>
+                </a:extLst>
+              </a:tr>
+              <a:tr h="320040">
+                <a:tc>
+                  <a:txBody>
+                    <a:bodyPr/>
+                    <a:lstStyle/>
+                    <a:p>
+                      <a:r>
+                        <a:rPr lang="de-DE" dirty="0"/>
+                        <a:t>6</a:t>
+                      </a:r>
+                    </a:p>
+                  </a:txBody>
+                  <a:tcPr/>
+                </a:tc>
+                <a:tc>
+                  <a:txBody>
+                    <a:bodyPr/>
+                    <a:lstStyle/>
+                    <a:p>
+                      <a:r>
+                        <a:rPr lang="de-DE" dirty="0"/>
+                        <a:t>Qualifikation Mitarbeiter</a:t>
+                      </a:r>
+                    </a:p>
+                  </a:txBody>
+                  <a:tcPr/>
+                </a:tc>
+                <a:tc>
+                  <a:txBody>
+                    <a:bodyPr/>
+                    <a:lstStyle/>
+                    <a:p>
+                      <a:r>
+                        <a:rPr lang="de-DE" dirty="0"/>
+                        <a:t>Personell</a:t>
+                      </a:r>
+                    </a:p>
+                  </a:txBody>
+                  <a:tcPr/>
+                </a:tc>
+                <a:tc>
+                  <a:txBody>
+                    <a:bodyPr/>
+                    <a:lstStyle/>
+                    <a:p>
+                      <a:r>
+                        <a:rPr lang="de-DE" dirty="0"/>
+                        <a:t>Fehlende Qualifikation der Projektmitglieder</a:t>
+                      </a:r>
+                    </a:p>
+                  </a:txBody>
+                  <a:tcPr/>
+                </a:tc>
+                <a:tc>
+                  <a:txBody>
+                    <a:bodyPr/>
+                    <a:lstStyle/>
+                    <a:p>
+                      <a:r>
+                        <a:rPr lang="de-DE" dirty="0"/>
+                        <a:t>Umsetzung des konzipierten Systems kann nicht erfolgen</a:t>
+                      </a:r>
+                    </a:p>
+                  </a:txBody>
+                  <a:tcPr/>
+                </a:tc>
+                <a:extLst>
+                  <a:ext uri="{0D108BD9-81ED-4DB2-BD59-A6C34878D82A}">
+                    <a16:rowId xmlns:a16="http://schemas.microsoft.com/office/drawing/2014/main" val="3261927578"/>
+                  </a:ext>
+                </a:extLst>
+              </a:tr>
+              <a:tr h="320040">
+                <a:tc>
+                  <a:txBody>
+                    <a:bodyPr/>
+                    <a:lstStyle/>
+                    <a:p>
+                      <a:r>
+                        <a:rPr lang="de-DE" dirty="0"/>
+                        <a:t>7</a:t>
+                      </a:r>
+                    </a:p>
+                  </a:txBody>
+                  <a:tcPr/>
+                </a:tc>
+                <a:tc>
+                  <a:txBody>
+                    <a:bodyPr/>
+                    <a:lstStyle/>
+                    <a:p>
+                      <a:r>
+                        <a:rPr lang="de-DE" dirty="0"/>
+                        <a:t>Dokumentationspflicht</a:t>
+                      </a:r>
+                    </a:p>
+                  </a:txBody>
+                  <a:tcPr/>
+                </a:tc>
+                <a:tc>
+                  <a:txBody>
+                    <a:bodyPr/>
+                    <a:lstStyle/>
+                    <a:p>
+                      <a:r>
+                        <a:rPr lang="de-DE" dirty="0"/>
+                        <a:t>Zeitlich</a:t>
+                      </a:r>
+                    </a:p>
+                  </a:txBody>
+                  <a:tcPr/>
+                </a:tc>
+                <a:tc>
+                  <a:txBody>
+                    <a:bodyPr/>
+                    <a:lstStyle/>
+                    <a:p>
+                      <a:r>
+                        <a:rPr lang="de-DE" dirty="0"/>
+                        <a:t>Zeitproblem</a:t>
+                      </a:r>
+                    </a:p>
+                  </a:txBody>
+                  <a:tcPr/>
+                </a:tc>
+                <a:tc>
+                  <a:txBody>
+                    <a:bodyPr/>
+                    <a:lstStyle/>
+                    <a:p>
+                      <a:r>
+                        <a:rPr lang="de-DE" dirty="0"/>
+                        <a:t>Fehlerhafte /</a:t>
+                      </a:r>
+                      <a:r>
+                        <a:rPr lang="de-DE" baseline="0" dirty="0"/>
+                        <a:t> unzureichende Dokumentation</a:t>
+                      </a:r>
+                      <a:endParaRPr lang="de-DE" dirty="0"/>
+                    </a:p>
+                  </a:txBody>
+                  <a:tcPr/>
+                </a:tc>
+                <a:extLst>
+                  <a:ext uri="{0D108BD9-81ED-4DB2-BD59-A6C34878D82A}">
+                    <a16:rowId xmlns:a16="http://schemas.microsoft.com/office/drawing/2014/main" val="1352472988"/>
+                  </a:ext>
+                </a:extLst>
               </a:tr>
             </a:tbl>
           </a:graphicData>
@@ -3634,12 +4696,12 @@
       </p:grpSpPr>
       <p:sp>
         <p:nvSpPr>
-          <p:cNvPr id="2" name="Titel 1"/>
+          <p:cNvPr id="4" name="Titel 3"/>
           <p:cNvSpPr>
             <a:spLocks noGrp="1"/>
           </p:cNvSpPr>
           <p:nvPr>
-            <p:ph type="title"/>
+            <p:ph type="ctrTitle"/>
           </p:nvPr>
         </p:nvSpPr>
         <p:spPr/>
@@ -3649,414 +4711,70 @@
           <a:p>
             <a:r>
               <a:rPr lang="de-DE" dirty="0"/>
-              <a:t>Zeitproblematik</a:t>
-            </a:r>
-          </a:p>
-        </p:txBody>
-      </p:sp>
-      <p:sp>
-        <p:nvSpPr>
-          <p:cNvPr id="4" name="Rechteck 3"/>
-          <p:cNvSpPr/>
-          <p:nvPr/>
-        </p:nvSpPr>
-        <p:spPr>
-          <a:xfrm>
-            <a:off x="899981" y="1865870"/>
-            <a:ext cx="1806146" cy="4522573"/>
-          </a:xfrm>
-          <a:prstGeom prst="rect">
-            <a:avLst/>
-          </a:prstGeom>
-          <a:ln>
-            <a:solidFill>
-              <a:schemeClr val="accent1"/>
-            </a:solidFill>
-          </a:ln>
-        </p:spPr>
-        <p:style>
-          <a:lnRef idx="2">
-            <a:schemeClr val="accent6"/>
-          </a:lnRef>
-          <a:fillRef idx="1">
-            <a:schemeClr val="lt1"/>
-          </a:fillRef>
-          <a:effectRef idx="0">
-            <a:schemeClr val="accent6"/>
-          </a:effectRef>
-          <a:fontRef idx="minor">
-            <a:schemeClr val="dk1"/>
-          </a:fontRef>
-        </p:style>
-        <p:txBody>
-          <a:bodyPr rtlCol="0" anchor="ctr"/>
-          <a:lstStyle/>
-          <a:p>
-            <a:pPr algn="ctr"/>
-            <a:r>
-              <a:rPr lang="de-DE" dirty="0">
-                <a:solidFill>
-                  <a:schemeClr val="tx1"/>
-                </a:solidFill>
-              </a:rPr>
-              <a:t>Gesamtes</a:t>
-            </a:r>
-            <a:br>
-              <a:rPr lang="de-DE" dirty="0">
-                <a:solidFill>
-                  <a:schemeClr val="tx1"/>
-                </a:solidFill>
-              </a:rPr>
-            </a:br>
-            <a:r>
-              <a:rPr lang="de-DE" dirty="0">
-                <a:solidFill>
-                  <a:schemeClr val="tx1"/>
-                </a:solidFill>
-              </a:rPr>
-              <a:t>Zeitproblem</a:t>
-            </a:r>
-          </a:p>
-        </p:txBody>
-      </p:sp>
-      <p:sp>
-        <p:nvSpPr>
-          <p:cNvPr id="5" name="Rechteck 4"/>
-          <p:cNvSpPr/>
-          <p:nvPr/>
-        </p:nvSpPr>
-        <p:spPr>
-          <a:xfrm>
-            <a:off x="3103607" y="2693773"/>
-            <a:ext cx="1806146" cy="3694670"/>
-          </a:xfrm>
-          <a:prstGeom prst="rect">
-            <a:avLst/>
-          </a:prstGeom>
-          <a:solidFill>
-            <a:schemeClr val="accent1"/>
-          </a:solidFill>
-          <a:ln>
-            <a:solidFill>
-              <a:schemeClr val="accent1"/>
-            </a:solidFill>
-          </a:ln>
-        </p:spPr>
-        <p:style>
-          <a:lnRef idx="2">
-            <a:schemeClr val="accent6"/>
-          </a:lnRef>
-          <a:fillRef idx="1">
-            <a:schemeClr val="lt1"/>
-          </a:fillRef>
-          <a:effectRef idx="0">
-            <a:schemeClr val="accent6"/>
-          </a:effectRef>
-          <a:fontRef idx="minor">
-            <a:schemeClr val="dk1"/>
-          </a:fontRef>
-        </p:style>
-        <p:txBody>
-          <a:bodyPr rtlCol="0" anchor="ctr"/>
-          <a:lstStyle/>
-          <a:p>
-            <a:pPr algn="ctr"/>
-            <a:r>
-              <a:rPr lang="de-DE" dirty="0">
-                <a:solidFill>
-                  <a:schemeClr val="bg1"/>
-                </a:solidFill>
-              </a:rPr>
-              <a:t>Vermeiden</a:t>
-            </a:r>
-          </a:p>
-        </p:txBody>
-      </p:sp>
-      <p:sp>
-        <p:nvSpPr>
-          <p:cNvPr id="6" name="Rechteck 5"/>
-          <p:cNvSpPr/>
-          <p:nvPr/>
-        </p:nvSpPr>
-        <p:spPr>
-          <a:xfrm>
-            <a:off x="5307233" y="3978876"/>
-            <a:ext cx="1806146" cy="2426040"/>
-          </a:xfrm>
-          <a:prstGeom prst="rect">
-            <a:avLst/>
-          </a:prstGeom>
-          <a:solidFill>
-            <a:schemeClr val="accent1"/>
-          </a:solidFill>
-          <a:ln>
-            <a:solidFill>
-              <a:schemeClr val="accent1"/>
-            </a:solidFill>
-          </a:ln>
-        </p:spPr>
-        <p:style>
-          <a:lnRef idx="2">
-            <a:schemeClr val="accent6"/>
-          </a:lnRef>
-          <a:fillRef idx="1">
-            <a:schemeClr val="lt1"/>
-          </a:fillRef>
-          <a:effectRef idx="0">
-            <a:schemeClr val="accent6"/>
-          </a:effectRef>
-          <a:fontRef idx="minor">
-            <a:schemeClr val="dk1"/>
-          </a:fontRef>
-        </p:style>
-        <p:txBody>
-          <a:bodyPr rtlCol="0" anchor="ctr"/>
-          <a:lstStyle/>
-          <a:p>
-            <a:pPr algn="ctr"/>
-            <a:r>
-              <a:rPr lang="de-DE" dirty="0">
-                <a:solidFill>
-                  <a:schemeClr val="bg1"/>
-                </a:solidFill>
-              </a:rPr>
-              <a:t>Versichern</a:t>
-            </a:r>
-          </a:p>
-        </p:txBody>
-      </p:sp>
-      <p:sp>
-        <p:nvSpPr>
-          <p:cNvPr id="7" name="Rechteck 6"/>
-          <p:cNvSpPr/>
-          <p:nvPr/>
-        </p:nvSpPr>
-        <p:spPr>
-          <a:xfrm>
-            <a:off x="7510859" y="5263978"/>
-            <a:ext cx="1806146" cy="1140937"/>
-          </a:xfrm>
-          <a:prstGeom prst="rect">
-            <a:avLst/>
-          </a:prstGeom>
-          <a:solidFill>
-            <a:schemeClr val="accent1"/>
-          </a:solidFill>
-          <a:ln>
-            <a:solidFill>
-              <a:schemeClr val="accent1"/>
-            </a:solidFill>
-          </a:ln>
-        </p:spPr>
-        <p:style>
-          <a:lnRef idx="2">
-            <a:schemeClr val="accent6"/>
-          </a:lnRef>
-          <a:fillRef idx="1">
-            <a:schemeClr val="lt1"/>
-          </a:fillRef>
-          <a:effectRef idx="0">
-            <a:schemeClr val="accent6"/>
-          </a:effectRef>
-          <a:fontRef idx="minor">
-            <a:schemeClr val="dk1"/>
-          </a:fontRef>
-        </p:style>
-        <p:txBody>
-          <a:bodyPr rtlCol="0" anchor="ctr"/>
-          <a:lstStyle/>
-          <a:p>
-            <a:pPr algn="ctr"/>
-            <a:r>
-              <a:rPr lang="de-DE" dirty="0">
-                <a:solidFill>
-                  <a:schemeClr val="bg1"/>
-                </a:solidFill>
-              </a:rPr>
-              <a:t>Akzeptieren</a:t>
-            </a:r>
-          </a:p>
-        </p:txBody>
-      </p:sp>
-      <p:sp>
-        <p:nvSpPr>
-          <p:cNvPr id="8" name="Rechteck 7"/>
-          <p:cNvSpPr/>
-          <p:nvPr/>
-        </p:nvSpPr>
-        <p:spPr>
-          <a:xfrm>
-            <a:off x="9714485" y="5263978"/>
-            <a:ext cx="1806146" cy="1140937"/>
-          </a:xfrm>
-          <a:prstGeom prst="rect">
-            <a:avLst/>
-          </a:prstGeom>
-          <a:ln/>
-        </p:spPr>
-        <p:style>
-          <a:lnRef idx="2">
-            <a:schemeClr val="accent1"/>
-          </a:lnRef>
-          <a:fillRef idx="1">
-            <a:schemeClr val="lt1"/>
-          </a:fillRef>
-          <a:effectRef idx="0">
-            <a:schemeClr val="accent1"/>
-          </a:effectRef>
-          <a:fontRef idx="minor">
-            <a:schemeClr val="dk1"/>
-          </a:fontRef>
-        </p:style>
-        <p:txBody>
-          <a:bodyPr rtlCol="0" anchor="ctr"/>
-          <a:lstStyle/>
-          <a:p>
-            <a:pPr algn="ctr"/>
-            <a:r>
-              <a:rPr lang="de-DE" dirty="0">
-                <a:solidFill>
-                  <a:schemeClr val="tx1"/>
-                </a:solidFill>
-              </a:rPr>
-              <a:t>Restrisiko</a:t>
-            </a:r>
-          </a:p>
-        </p:txBody>
-      </p:sp>
-      <p:sp>
-        <p:nvSpPr>
-          <p:cNvPr id="9" name="Pfeil nach rechts 8"/>
-          <p:cNvSpPr/>
-          <p:nvPr/>
-        </p:nvSpPr>
-        <p:spPr>
-          <a:xfrm>
-            <a:off x="2817341" y="1690688"/>
-            <a:ext cx="2092412" cy="681809"/>
-          </a:xfrm>
-          <a:prstGeom prst="rightArrow">
-            <a:avLst/>
-          </a:prstGeom>
-        </p:spPr>
-        <p:style>
-          <a:lnRef idx="2">
-            <a:schemeClr val="accent1">
-              <a:shade val="50000"/>
-            </a:schemeClr>
-          </a:lnRef>
-          <a:fillRef idx="1">
-            <a:schemeClr val="accent1"/>
-          </a:fillRef>
-          <a:effectRef idx="0">
-            <a:schemeClr val="accent1"/>
-          </a:effectRef>
-          <a:fontRef idx="minor">
-            <a:schemeClr val="lt1"/>
-          </a:fontRef>
-        </p:style>
-        <p:txBody>
-          <a:bodyPr rtlCol="0" anchor="ctr"/>
-          <a:lstStyle/>
-          <a:p>
-            <a:pPr algn="ctr"/>
-            <a:r>
-              <a:rPr lang="de-DE" sz="1600" dirty="0"/>
-              <a:t>Umfassende Analyse</a:t>
-            </a:r>
-          </a:p>
-        </p:txBody>
-      </p:sp>
-      <p:sp>
-        <p:nvSpPr>
-          <p:cNvPr id="10" name="Pfeil nach rechts 9"/>
-          <p:cNvSpPr/>
-          <p:nvPr/>
-        </p:nvSpPr>
-        <p:spPr>
-          <a:xfrm>
-            <a:off x="5020967" y="3128192"/>
-            <a:ext cx="2092412" cy="681809"/>
-          </a:xfrm>
-          <a:prstGeom prst="rightArrow">
-            <a:avLst/>
-          </a:prstGeom>
-        </p:spPr>
-        <p:style>
-          <a:lnRef idx="2">
-            <a:schemeClr val="accent1">
-              <a:shade val="50000"/>
-            </a:schemeClr>
-          </a:lnRef>
-          <a:fillRef idx="1">
-            <a:schemeClr val="accent1"/>
-          </a:fillRef>
-          <a:effectRef idx="0">
-            <a:schemeClr val="accent1"/>
-          </a:effectRef>
-          <a:fontRef idx="minor">
-            <a:schemeClr val="lt1"/>
-          </a:fontRef>
-        </p:style>
-        <p:txBody>
-          <a:bodyPr rtlCol="0" anchor="ctr"/>
-          <a:lstStyle/>
-          <a:p>
-            <a:pPr algn="ctr"/>
-            <a:r>
-              <a:rPr lang="de-DE" sz="1600" dirty="0"/>
-              <a:t>Meilensteine</a:t>
-            </a:r>
-          </a:p>
-        </p:txBody>
-      </p:sp>
-      <p:sp>
-        <p:nvSpPr>
-          <p:cNvPr id="11" name="Pfeil nach rechts 10"/>
-          <p:cNvSpPr/>
-          <p:nvPr/>
-        </p:nvSpPr>
-        <p:spPr>
-          <a:xfrm>
-            <a:off x="7224593" y="4380344"/>
-            <a:ext cx="2092412" cy="681809"/>
-          </a:xfrm>
-          <a:prstGeom prst="rightArrow">
-            <a:avLst/>
-          </a:prstGeom>
-        </p:spPr>
-        <p:style>
-          <a:lnRef idx="2">
-            <a:schemeClr val="accent1">
-              <a:shade val="50000"/>
-            </a:schemeClr>
-          </a:lnRef>
-          <a:fillRef idx="1">
-            <a:schemeClr val="accent1"/>
-          </a:fillRef>
-          <a:effectRef idx="0">
-            <a:schemeClr val="accent1"/>
-          </a:effectRef>
-          <a:fontRef idx="minor">
-            <a:schemeClr val="lt1"/>
-          </a:fontRef>
-        </p:style>
-        <p:txBody>
-          <a:bodyPr rtlCol="0" anchor="ctr"/>
-          <a:lstStyle/>
-          <a:p>
-            <a:pPr algn="ctr"/>
-            <a:r>
-              <a:rPr lang="de-DE" sz="1600" dirty="0"/>
-              <a:t>Zeitplan</a:t>
-            </a:r>
+              <a:t>Risikominimierung</a:t>
+            </a:r>
+          </a:p>
+        </p:txBody>
+      </p:sp>
+      <p:sp>
+        <p:nvSpPr>
+          <p:cNvPr id="5" name="Untertitel 4"/>
+          <p:cNvSpPr>
+            <a:spLocks noGrp="1"/>
+          </p:cNvSpPr>
+          <p:nvPr>
+            <p:ph type="subTitle" idx="1"/>
+          </p:nvPr>
+        </p:nvSpPr>
+        <p:spPr/>
+        <p:txBody>
+          <a:bodyPr/>
+          <a:lstStyle/>
+          <a:p>
+            <a:r>
+              <a:rPr lang="de-DE" dirty="0"/>
+              <a:t>Nico </a:t>
+            </a:r>
+            <a:r>
+              <a:rPr lang="de-DE" dirty="0" err="1"/>
+              <a:t>Wickersheim</a:t>
+            </a:r>
+            <a:r>
+              <a:rPr lang="de-DE" dirty="0"/>
+              <a:t>, Karsten </a:t>
+            </a:r>
+            <a:r>
+              <a:rPr lang="de-DE" dirty="0" err="1"/>
+              <a:t>Amrein</a:t>
+            </a:r>
+            <a:r>
+              <a:rPr lang="de-DE" dirty="0"/>
+              <a:t>, Timo Schmidt,</a:t>
+            </a:r>
+          </a:p>
+          <a:p>
+            <a:r>
+              <a:rPr lang="de-DE" dirty="0"/>
+              <a:t>Artur </a:t>
+            </a:r>
+            <a:r>
+              <a:rPr lang="de-DE" dirty="0" err="1"/>
+              <a:t>Stalbaum</a:t>
+            </a:r>
+            <a:r>
+              <a:rPr lang="de-DE" dirty="0"/>
+              <a:t>, Lukas Adler</a:t>
+            </a:r>
+          </a:p>
+          <a:p>
+            <a:endParaRPr lang="de-DE" dirty="0"/>
           </a:p>
         </p:txBody>
       </p:sp>
     </p:spTree>
     <p:extLst>
       <p:ext uri="{BB962C8B-B14F-4D97-AF65-F5344CB8AC3E}">
-        <p14:creationId xmlns:p14="http://schemas.microsoft.com/office/powerpoint/2010/main" val="2653066712"/>
+        <p14:creationId xmlns:p14="http://schemas.microsoft.com/office/powerpoint/2010/main" val="2854679185"/>
       </p:ext>
     </p:extLst>
   </p:cSld>
@@ -4099,10 +4817,9 @@
           <a:lstStyle/>
           <a:p>
             <a:r>
-              <a:rPr lang="de-DE" dirty="0" err="1"/>
-              <a:t>Stakeholderrisiko</a:t>
-            </a:r>
-            <a:endParaRPr lang="de-DE" dirty="0"/>
+              <a:rPr lang="de-DE" dirty="0"/>
+              <a:t>Knappheit Zeit</a:t>
+            </a:r>
           </a:p>
         </p:txBody>
       </p:sp>
@@ -4151,7 +4868,22 @@
                   <a:schemeClr val="tx1"/>
                 </a:solidFill>
               </a:rPr>
-              <a:t>Stakeholder</a:t>
+              <a:t>Gesamtes</a:t>
+            </a:r>
+            <a:br>
+              <a:rPr lang="de-DE" dirty="0">
+                <a:solidFill>
+                  <a:schemeClr val="tx1"/>
+                </a:solidFill>
+              </a:rPr>
+            </a:br>
+            <a:r>
+              <a:rPr lang="de-DE" dirty="0">
+                <a:solidFill>
+                  <a:schemeClr val="tx1"/>
+                </a:solidFill>
+              </a:rPr>
+              <a:t>Zeitproblem</a:t>
             </a:r>
           </a:p>
         </p:txBody>
@@ -4399,7 +5131,7 @@
             <a:pPr algn="ctr"/>
             <a:r>
               <a:rPr lang="de-DE" sz="1600" dirty="0"/>
-              <a:t>Fehlkommunikation</a:t>
+              <a:t>Umfassende Analyse</a:t>
             </a:r>
           </a:p>
         </p:txBody>
@@ -4441,8 +5173,8 @@
           <a:p>
             <a:pPr algn="ctr"/>
             <a:r>
-              <a:rPr lang="de-DE" sz="1400" dirty="0"/>
-              <a:t>Regelmäßige Updates</a:t>
+              <a:rPr lang="de-DE" sz="1600" dirty="0"/>
+              <a:t>Meilensteine</a:t>
             </a:r>
           </a:p>
         </p:txBody>
@@ -4484,8 +5216,8 @@
           <a:p>
             <a:pPr algn="ctr"/>
             <a:r>
-              <a:rPr lang="de-DE" sz="1400" dirty="0"/>
-              <a:t>Andere Vorstellungen</a:t>
+              <a:rPr lang="de-DE" sz="1600" dirty="0"/>
+              <a:t>Zeitplan</a:t>
             </a:r>
           </a:p>
         </p:txBody>
@@ -4493,7 +5225,7 @@
     </p:spTree>
     <p:extLst>
       <p:ext uri="{BB962C8B-B14F-4D97-AF65-F5344CB8AC3E}">
-        <p14:creationId xmlns:p14="http://schemas.microsoft.com/office/powerpoint/2010/main" val="2364079058"/>
+        <p14:creationId xmlns:p14="http://schemas.microsoft.com/office/powerpoint/2010/main" val="2653066712"/>
       </p:ext>
     </p:extLst>
   </p:cSld>
@@ -4536,9 +5268,10 @@
           <a:lstStyle/>
           <a:p>
             <a:r>
-              <a:rPr lang="de-DE" dirty="0"/>
-              <a:t>Kostenrisiko</a:t>
-            </a:r>
+              <a:rPr lang="de-DE" dirty="0" err="1"/>
+              <a:t>Stakeholderrisiko</a:t>
+            </a:r>
+            <a:endParaRPr lang="de-DE" dirty="0"/>
           </a:p>
         </p:txBody>
       </p:sp>
@@ -4587,28 +5320,8 @@
                   <a:schemeClr val="tx1"/>
                 </a:solidFill>
               </a:rPr>
-              <a:t>Kosten-</a:t>
-            </a:r>
-            <a:br>
-              <a:rPr lang="de-DE" dirty="0">
-                <a:solidFill>
-                  <a:schemeClr val="tx1"/>
-                </a:solidFill>
-              </a:rPr>
-            </a:br>
-            <a:r>
-              <a:rPr lang="de-DE" dirty="0" err="1">
-                <a:solidFill>
-                  <a:schemeClr val="tx1"/>
-                </a:solidFill>
-              </a:rPr>
-              <a:t>problematik</a:t>
-            </a:r>
-            <a:endParaRPr lang="de-DE" dirty="0">
-              <a:solidFill>
-                <a:schemeClr val="tx1"/>
-              </a:solidFill>
-            </a:endParaRPr>
+              <a:t>Stakeholder</a:t>
+            </a:r>
           </a:p>
         </p:txBody>
       </p:sp>
@@ -4855,7 +5568,7 @@
             <a:pPr algn="ctr"/>
             <a:r>
               <a:rPr lang="de-DE" sz="1600" dirty="0"/>
-              <a:t>Fehlkalkulation</a:t>
+              <a:t>Fehlkommunikation</a:t>
             </a:r>
           </a:p>
         </p:txBody>
@@ -4898,7 +5611,7 @@
             <a:pPr algn="ctr"/>
             <a:r>
               <a:rPr lang="de-DE" sz="1400" dirty="0"/>
-              <a:t>Zeitpuffer / Zulagen</a:t>
+              <a:t>Regelmäßige Updates</a:t>
             </a:r>
           </a:p>
         </p:txBody>
@@ -4940,6 +5653,462 @@
           <a:p>
             <a:pPr algn="ctr"/>
             <a:r>
+              <a:rPr lang="de-DE" sz="1400" dirty="0"/>
+              <a:t>Andere Vorstellungen</a:t>
+            </a:r>
+          </a:p>
+        </p:txBody>
+      </p:sp>
+    </p:spTree>
+    <p:extLst>
+      <p:ext uri="{BB962C8B-B14F-4D97-AF65-F5344CB8AC3E}">
+        <p14:creationId xmlns:p14="http://schemas.microsoft.com/office/powerpoint/2010/main" val="2364079058"/>
+      </p:ext>
+    </p:extLst>
+  </p:cSld>
+  <p:clrMapOvr>
+    <a:masterClrMapping/>
+  </p:clrMapOvr>
+</p:sld>
+</file>
+
+<file path=ppt/slides/slide6.xml><?xml version="1.0" encoding="utf-8"?>
+<p:sld xmlns:a="http://schemas.openxmlformats.org/drawingml/2006/main" xmlns:r="http://schemas.openxmlformats.org/officeDocument/2006/relationships" xmlns:p="http://schemas.openxmlformats.org/presentationml/2006/main">
+  <p:cSld>
+    <p:spTree>
+      <p:nvGrpSpPr>
+        <p:cNvPr id="1" name=""/>
+        <p:cNvGrpSpPr/>
+        <p:nvPr/>
+      </p:nvGrpSpPr>
+      <p:grpSpPr>
+        <a:xfrm>
+          <a:off x="0" y="0"/>
+          <a:ext cx="0" cy="0"/>
+          <a:chOff x="0" y="0"/>
+          <a:chExt cx="0" cy="0"/>
+        </a:xfrm>
+      </p:grpSpPr>
+      <p:sp>
+        <p:nvSpPr>
+          <p:cNvPr id="2" name="Titel 1"/>
+          <p:cNvSpPr>
+            <a:spLocks noGrp="1"/>
+          </p:cNvSpPr>
+          <p:nvPr>
+            <p:ph type="title"/>
+          </p:nvPr>
+        </p:nvSpPr>
+        <p:spPr/>
+        <p:txBody>
+          <a:bodyPr/>
+          <a:lstStyle/>
+          <a:p>
+            <a:r>
+              <a:rPr lang="de-DE" dirty="0"/>
+              <a:t>Kostenrisiko</a:t>
+            </a:r>
+          </a:p>
+        </p:txBody>
+      </p:sp>
+      <p:sp>
+        <p:nvSpPr>
+          <p:cNvPr id="4" name="Rechteck 3"/>
+          <p:cNvSpPr/>
+          <p:nvPr/>
+        </p:nvSpPr>
+        <p:spPr>
+          <a:xfrm>
+            <a:off x="899981" y="1865870"/>
+            <a:ext cx="1806146" cy="4522573"/>
+          </a:xfrm>
+          <a:prstGeom prst="rect">
+            <a:avLst/>
+          </a:prstGeom>
+          <a:ln>
+            <a:solidFill>
+              <a:schemeClr val="accent1"/>
+            </a:solidFill>
+          </a:ln>
+        </p:spPr>
+        <p:style>
+          <a:lnRef idx="2">
+            <a:schemeClr val="accent6"/>
+          </a:lnRef>
+          <a:fillRef idx="1">
+            <a:schemeClr val="lt1"/>
+          </a:fillRef>
+          <a:effectRef idx="0">
+            <a:schemeClr val="accent6"/>
+          </a:effectRef>
+          <a:fontRef idx="minor">
+            <a:schemeClr val="dk1"/>
+          </a:fontRef>
+        </p:style>
+        <p:txBody>
+          <a:bodyPr rtlCol="0" anchor="ctr"/>
+          <a:lstStyle/>
+          <a:p>
+            <a:pPr algn="ctr"/>
+            <a:r>
+              <a:rPr lang="de-DE" dirty="0">
+                <a:solidFill>
+                  <a:schemeClr val="tx1"/>
+                </a:solidFill>
+              </a:rPr>
+              <a:t>Kosten-</a:t>
+            </a:r>
+            <a:br>
+              <a:rPr lang="de-DE" dirty="0">
+                <a:solidFill>
+                  <a:schemeClr val="tx1"/>
+                </a:solidFill>
+              </a:rPr>
+            </a:br>
+            <a:r>
+              <a:rPr lang="de-DE" dirty="0" err="1">
+                <a:solidFill>
+                  <a:schemeClr val="tx1"/>
+                </a:solidFill>
+              </a:rPr>
+              <a:t>problematik</a:t>
+            </a:r>
+            <a:endParaRPr lang="de-DE" dirty="0">
+              <a:solidFill>
+                <a:schemeClr val="tx1"/>
+              </a:solidFill>
+            </a:endParaRPr>
+          </a:p>
+        </p:txBody>
+      </p:sp>
+      <p:sp>
+        <p:nvSpPr>
+          <p:cNvPr id="5" name="Rechteck 4"/>
+          <p:cNvSpPr/>
+          <p:nvPr/>
+        </p:nvSpPr>
+        <p:spPr>
+          <a:xfrm>
+            <a:off x="3103607" y="2693773"/>
+            <a:ext cx="1806146" cy="3694670"/>
+          </a:xfrm>
+          <a:prstGeom prst="rect">
+            <a:avLst/>
+          </a:prstGeom>
+          <a:solidFill>
+            <a:schemeClr val="accent1"/>
+          </a:solidFill>
+          <a:ln>
+            <a:solidFill>
+              <a:schemeClr val="accent1"/>
+            </a:solidFill>
+          </a:ln>
+        </p:spPr>
+        <p:style>
+          <a:lnRef idx="2">
+            <a:schemeClr val="accent6"/>
+          </a:lnRef>
+          <a:fillRef idx="1">
+            <a:schemeClr val="lt1"/>
+          </a:fillRef>
+          <a:effectRef idx="0">
+            <a:schemeClr val="accent6"/>
+          </a:effectRef>
+          <a:fontRef idx="minor">
+            <a:schemeClr val="dk1"/>
+          </a:fontRef>
+        </p:style>
+        <p:txBody>
+          <a:bodyPr rtlCol="0" anchor="ctr"/>
+          <a:lstStyle/>
+          <a:p>
+            <a:pPr algn="ctr"/>
+            <a:r>
+              <a:rPr lang="de-DE" dirty="0">
+                <a:solidFill>
+                  <a:schemeClr val="bg1"/>
+                </a:solidFill>
+              </a:rPr>
+              <a:t>Vermeiden</a:t>
+            </a:r>
+          </a:p>
+        </p:txBody>
+      </p:sp>
+      <p:sp>
+        <p:nvSpPr>
+          <p:cNvPr id="6" name="Rechteck 5"/>
+          <p:cNvSpPr/>
+          <p:nvPr/>
+        </p:nvSpPr>
+        <p:spPr>
+          <a:xfrm>
+            <a:off x="5307233" y="3978876"/>
+            <a:ext cx="1806146" cy="2426040"/>
+          </a:xfrm>
+          <a:prstGeom prst="rect">
+            <a:avLst/>
+          </a:prstGeom>
+          <a:solidFill>
+            <a:schemeClr val="accent1"/>
+          </a:solidFill>
+          <a:ln>
+            <a:solidFill>
+              <a:schemeClr val="accent1"/>
+            </a:solidFill>
+          </a:ln>
+        </p:spPr>
+        <p:style>
+          <a:lnRef idx="2">
+            <a:schemeClr val="accent6"/>
+          </a:lnRef>
+          <a:fillRef idx="1">
+            <a:schemeClr val="lt1"/>
+          </a:fillRef>
+          <a:effectRef idx="0">
+            <a:schemeClr val="accent6"/>
+          </a:effectRef>
+          <a:fontRef idx="minor">
+            <a:schemeClr val="dk1"/>
+          </a:fontRef>
+        </p:style>
+        <p:txBody>
+          <a:bodyPr rtlCol="0" anchor="ctr"/>
+          <a:lstStyle/>
+          <a:p>
+            <a:pPr algn="ctr"/>
+            <a:r>
+              <a:rPr lang="de-DE" dirty="0">
+                <a:solidFill>
+                  <a:schemeClr val="bg1"/>
+                </a:solidFill>
+              </a:rPr>
+              <a:t>Versichern</a:t>
+            </a:r>
+          </a:p>
+        </p:txBody>
+      </p:sp>
+      <p:sp>
+        <p:nvSpPr>
+          <p:cNvPr id="7" name="Rechteck 6"/>
+          <p:cNvSpPr/>
+          <p:nvPr/>
+        </p:nvSpPr>
+        <p:spPr>
+          <a:xfrm>
+            <a:off x="7510859" y="5263978"/>
+            <a:ext cx="1806146" cy="1140937"/>
+          </a:xfrm>
+          <a:prstGeom prst="rect">
+            <a:avLst/>
+          </a:prstGeom>
+          <a:solidFill>
+            <a:schemeClr val="accent1"/>
+          </a:solidFill>
+          <a:ln>
+            <a:solidFill>
+              <a:schemeClr val="accent1"/>
+            </a:solidFill>
+          </a:ln>
+        </p:spPr>
+        <p:style>
+          <a:lnRef idx="2">
+            <a:schemeClr val="accent6"/>
+          </a:lnRef>
+          <a:fillRef idx="1">
+            <a:schemeClr val="lt1"/>
+          </a:fillRef>
+          <a:effectRef idx="0">
+            <a:schemeClr val="accent6"/>
+          </a:effectRef>
+          <a:fontRef idx="minor">
+            <a:schemeClr val="dk1"/>
+          </a:fontRef>
+        </p:style>
+        <p:txBody>
+          <a:bodyPr rtlCol="0" anchor="ctr"/>
+          <a:lstStyle/>
+          <a:p>
+            <a:pPr algn="ctr"/>
+            <a:r>
+              <a:rPr lang="de-DE" dirty="0">
+                <a:solidFill>
+                  <a:schemeClr val="bg1"/>
+                </a:solidFill>
+              </a:rPr>
+              <a:t>Akzeptieren</a:t>
+            </a:r>
+          </a:p>
+        </p:txBody>
+      </p:sp>
+      <p:sp>
+        <p:nvSpPr>
+          <p:cNvPr id="8" name="Rechteck 7"/>
+          <p:cNvSpPr/>
+          <p:nvPr/>
+        </p:nvSpPr>
+        <p:spPr>
+          <a:xfrm>
+            <a:off x="9714485" y="5263978"/>
+            <a:ext cx="1806146" cy="1140937"/>
+          </a:xfrm>
+          <a:prstGeom prst="rect">
+            <a:avLst/>
+          </a:prstGeom>
+          <a:ln/>
+        </p:spPr>
+        <p:style>
+          <a:lnRef idx="2">
+            <a:schemeClr val="accent1"/>
+          </a:lnRef>
+          <a:fillRef idx="1">
+            <a:schemeClr val="lt1"/>
+          </a:fillRef>
+          <a:effectRef idx="0">
+            <a:schemeClr val="accent1"/>
+          </a:effectRef>
+          <a:fontRef idx="minor">
+            <a:schemeClr val="dk1"/>
+          </a:fontRef>
+        </p:style>
+        <p:txBody>
+          <a:bodyPr rtlCol="0" anchor="ctr"/>
+          <a:lstStyle/>
+          <a:p>
+            <a:pPr algn="ctr"/>
+            <a:r>
+              <a:rPr lang="de-DE" dirty="0">
+                <a:solidFill>
+                  <a:schemeClr val="tx1"/>
+                </a:solidFill>
+              </a:rPr>
+              <a:t>Restrisiko</a:t>
+            </a:r>
+          </a:p>
+        </p:txBody>
+      </p:sp>
+      <p:sp>
+        <p:nvSpPr>
+          <p:cNvPr id="9" name="Pfeil nach rechts 8"/>
+          <p:cNvSpPr/>
+          <p:nvPr/>
+        </p:nvSpPr>
+        <p:spPr>
+          <a:xfrm>
+            <a:off x="2817341" y="1690688"/>
+            <a:ext cx="2092412" cy="681809"/>
+          </a:xfrm>
+          <a:prstGeom prst="rightArrow">
+            <a:avLst/>
+          </a:prstGeom>
+        </p:spPr>
+        <p:style>
+          <a:lnRef idx="2">
+            <a:schemeClr val="accent1">
+              <a:shade val="50000"/>
+            </a:schemeClr>
+          </a:lnRef>
+          <a:fillRef idx="1">
+            <a:schemeClr val="accent1"/>
+          </a:fillRef>
+          <a:effectRef idx="0">
+            <a:schemeClr val="accent1"/>
+          </a:effectRef>
+          <a:fontRef idx="minor">
+            <a:schemeClr val="lt1"/>
+          </a:fontRef>
+        </p:style>
+        <p:txBody>
+          <a:bodyPr rtlCol="0" anchor="ctr"/>
+          <a:lstStyle/>
+          <a:p>
+            <a:pPr algn="ctr"/>
+            <a:r>
+              <a:rPr lang="de-DE" sz="1600" dirty="0"/>
+              <a:t>Fehlkalkulation</a:t>
+            </a:r>
+          </a:p>
+        </p:txBody>
+      </p:sp>
+      <p:sp>
+        <p:nvSpPr>
+          <p:cNvPr id="10" name="Pfeil nach rechts 9"/>
+          <p:cNvSpPr/>
+          <p:nvPr/>
+        </p:nvSpPr>
+        <p:spPr>
+          <a:xfrm>
+            <a:off x="5020967" y="3128192"/>
+            <a:ext cx="2092412" cy="681809"/>
+          </a:xfrm>
+          <a:prstGeom prst="rightArrow">
+            <a:avLst/>
+          </a:prstGeom>
+        </p:spPr>
+        <p:style>
+          <a:lnRef idx="2">
+            <a:schemeClr val="accent1">
+              <a:shade val="50000"/>
+            </a:schemeClr>
+          </a:lnRef>
+          <a:fillRef idx="1">
+            <a:schemeClr val="accent1"/>
+          </a:fillRef>
+          <a:effectRef idx="0">
+            <a:schemeClr val="accent1"/>
+          </a:effectRef>
+          <a:fontRef idx="minor">
+            <a:schemeClr val="lt1"/>
+          </a:fontRef>
+        </p:style>
+        <p:txBody>
+          <a:bodyPr rtlCol="0" anchor="ctr"/>
+          <a:lstStyle/>
+          <a:p>
+            <a:pPr algn="ctr"/>
+            <a:r>
+              <a:rPr lang="de-DE" sz="1400" dirty="0"/>
+              <a:t>Zeitpuffer / Zulagen</a:t>
+            </a:r>
+          </a:p>
+        </p:txBody>
+      </p:sp>
+      <p:sp>
+        <p:nvSpPr>
+          <p:cNvPr id="11" name="Pfeil nach rechts 10"/>
+          <p:cNvSpPr/>
+          <p:nvPr/>
+        </p:nvSpPr>
+        <p:spPr>
+          <a:xfrm>
+            <a:off x="7224593" y="4380344"/>
+            <a:ext cx="2092412" cy="681809"/>
+          </a:xfrm>
+          <a:prstGeom prst="rightArrow">
+            <a:avLst/>
+          </a:prstGeom>
+        </p:spPr>
+        <p:style>
+          <a:lnRef idx="2">
+            <a:schemeClr val="accent1">
+              <a:shade val="50000"/>
+            </a:schemeClr>
+          </a:lnRef>
+          <a:fillRef idx="1">
+            <a:schemeClr val="accent1"/>
+          </a:fillRef>
+          <a:effectRef idx="0">
+            <a:schemeClr val="accent1"/>
+          </a:effectRef>
+          <a:fontRef idx="minor">
+            <a:schemeClr val="lt1"/>
+          </a:fontRef>
+        </p:style>
+        <p:txBody>
+          <a:bodyPr rtlCol="0" anchor="ctr"/>
+          <a:lstStyle/>
+          <a:p>
+            <a:pPr algn="ctr"/>
+            <a:r>
               <a:rPr lang="de-DE" sz="1200" dirty="0"/>
               <a:t>Mehraufwand / Probleme</a:t>
             </a:r>
@@ -4950,6 +6119,1319 @@
     <p:extLst>
       <p:ext uri="{BB962C8B-B14F-4D97-AF65-F5344CB8AC3E}">
         <p14:creationId xmlns:p14="http://schemas.microsoft.com/office/powerpoint/2010/main" val="194834702"/>
+      </p:ext>
+    </p:extLst>
+  </p:cSld>
+  <p:clrMapOvr>
+    <a:masterClrMapping/>
+  </p:clrMapOvr>
+</p:sld>
+</file>
+
+<file path=ppt/slides/slide7.xml><?xml version="1.0" encoding="utf-8"?>
+<p:sld xmlns:a="http://schemas.openxmlformats.org/drawingml/2006/main" xmlns:r="http://schemas.openxmlformats.org/officeDocument/2006/relationships" xmlns:p="http://schemas.openxmlformats.org/presentationml/2006/main">
+  <p:cSld>
+    <p:spTree>
+      <p:nvGrpSpPr>
+        <p:cNvPr id="1" name=""/>
+        <p:cNvGrpSpPr/>
+        <p:nvPr/>
+      </p:nvGrpSpPr>
+      <p:grpSpPr>
+        <a:xfrm>
+          <a:off x="0" y="0"/>
+          <a:ext cx="0" cy="0"/>
+          <a:chOff x="0" y="0"/>
+          <a:chExt cx="0" cy="0"/>
+        </a:xfrm>
+      </p:grpSpPr>
+      <p:sp>
+        <p:nvSpPr>
+          <p:cNvPr id="2" name="Titel 1"/>
+          <p:cNvSpPr>
+            <a:spLocks noGrp="1"/>
+          </p:cNvSpPr>
+          <p:nvPr>
+            <p:ph type="title"/>
+          </p:nvPr>
+        </p:nvSpPr>
+        <p:spPr/>
+        <p:txBody>
+          <a:bodyPr/>
+          <a:lstStyle/>
+          <a:p>
+            <a:r>
+              <a:rPr lang="de-DE" dirty="0"/>
+              <a:t>Datenschutz</a:t>
+            </a:r>
+          </a:p>
+        </p:txBody>
+      </p:sp>
+      <p:sp>
+        <p:nvSpPr>
+          <p:cNvPr id="4" name="Rechteck 3"/>
+          <p:cNvSpPr/>
+          <p:nvPr/>
+        </p:nvSpPr>
+        <p:spPr>
+          <a:xfrm>
+            <a:off x="899981" y="1865870"/>
+            <a:ext cx="1806146" cy="4522573"/>
+          </a:xfrm>
+          <a:prstGeom prst="rect">
+            <a:avLst/>
+          </a:prstGeom>
+          <a:ln>
+            <a:solidFill>
+              <a:schemeClr val="accent1"/>
+            </a:solidFill>
+          </a:ln>
+        </p:spPr>
+        <p:style>
+          <a:lnRef idx="2">
+            <a:schemeClr val="accent6"/>
+          </a:lnRef>
+          <a:fillRef idx="1">
+            <a:schemeClr val="lt1"/>
+          </a:fillRef>
+          <a:effectRef idx="0">
+            <a:schemeClr val="accent6"/>
+          </a:effectRef>
+          <a:fontRef idx="minor">
+            <a:schemeClr val="dk1"/>
+          </a:fontRef>
+        </p:style>
+        <p:txBody>
+          <a:bodyPr rtlCol="0" anchor="ctr"/>
+          <a:lstStyle/>
+          <a:p>
+            <a:pPr algn="ctr"/>
+            <a:r>
+              <a:rPr lang="de-DE" dirty="0">
+                <a:solidFill>
+                  <a:schemeClr val="tx1"/>
+                </a:solidFill>
+              </a:rPr>
+              <a:t>Datenschutz</a:t>
+            </a:r>
+          </a:p>
+        </p:txBody>
+      </p:sp>
+      <p:sp>
+        <p:nvSpPr>
+          <p:cNvPr id="5" name="Rechteck 4"/>
+          <p:cNvSpPr/>
+          <p:nvPr/>
+        </p:nvSpPr>
+        <p:spPr>
+          <a:xfrm>
+            <a:off x="3103607" y="2693773"/>
+            <a:ext cx="1806146" cy="3694670"/>
+          </a:xfrm>
+          <a:prstGeom prst="rect">
+            <a:avLst/>
+          </a:prstGeom>
+          <a:solidFill>
+            <a:schemeClr val="accent1"/>
+          </a:solidFill>
+          <a:ln>
+            <a:solidFill>
+              <a:schemeClr val="accent1"/>
+            </a:solidFill>
+          </a:ln>
+        </p:spPr>
+        <p:style>
+          <a:lnRef idx="2">
+            <a:schemeClr val="accent6"/>
+          </a:lnRef>
+          <a:fillRef idx="1">
+            <a:schemeClr val="lt1"/>
+          </a:fillRef>
+          <a:effectRef idx="0">
+            <a:schemeClr val="accent6"/>
+          </a:effectRef>
+          <a:fontRef idx="minor">
+            <a:schemeClr val="dk1"/>
+          </a:fontRef>
+        </p:style>
+        <p:txBody>
+          <a:bodyPr rtlCol="0" anchor="ctr"/>
+          <a:lstStyle/>
+          <a:p>
+            <a:pPr algn="ctr"/>
+            <a:r>
+              <a:rPr lang="de-DE" dirty="0">
+                <a:solidFill>
+                  <a:schemeClr val="bg1"/>
+                </a:solidFill>
+              </a:rPr>
+              <a:t>Vermeiden</a:t>
+            </a:r>
+          </a:p>
+        </p:txBody>
+      </p:sp>
+      <p:sp>
+        <p:nvSpPr>
+          <p:cNvPr id="6" name="Rechteck 5"/>
+          <p:cNvSpPr/>
+          <p:nvPr/>
+        </p:nvSpPr>
+        <p:spPr>
+          <a:xfrm>
+            <a:off x="5307233" y="3978876"/>
+            <a:ext cx="1806146" cy="2426040"/>
+          </a:xfrm>
+          <a:prstGeom prst="rect">
+            <a:avLst/>
+          </a:prstGeom>
+          <a:solidFill>
+            <a:schemeClr val="accent1"/>
+          </a:solidFill>
+          <a:ln>
+            <a:solidFill>
+              <a:schemeClr val="accent1"/>
+            </a:solidFill>
+          </a:ln>
+        </p:spPr>
+        <p:style>
+          <a:lnRef idx="2">
+            <a:schemeClr val="accent6"/>
+          </a:lnRef>
+          <a:fillRef idx="1">
+            <a:schemeClr val="lt1"/>
+          </a:fillRef>
+          <a:effectRef idx="0">
+            <a:schemeClr val="accent6"/>
+          </a:effectRef>
+          <a:fontRef idx="minor">
+            <a:schemeClr val="dk1"/>
+          </a:fontRef>
+        </p:style>
+        <p:txBody>
+          <a:bodyPr rtlCol="0" anchor="ctr"/>
+          <a:lstStyle/>
+          <a:p>
+            <a:pPr algn="ctr"/>
+            <a:r>
+              <a:rPr lang="de-DE" dirty="0">
+                <a:solidFill>
+                  <a:schemeClr val="bg1"/>
+                </a:solidFill>
+              </a:rPr>
+              <a:t>Versichern</a:t>
+            </a:r>
+          </a:p>
+        </p:txBody>
+      </p:sp>
+      <p:sp>
+        <p:nvSpPr>
+          <p:cNvPr id="7" name="Rechteck 6"/>
+          <p:cNvSpPr/>
+          <p:nvPr/>
+        </p:nvSpPr>
+        <p:spPr>
+          <a:xfrm>
+            <a:off x="7510859" y="5263978"/>
+            <a:ext cx="1806146" cy="1140937"/>
+          </a:xfrm>
+          <a:prstGeom prst="rect">
+            <a:avLst/>
+          </a:prstGeom>
+          <a:solidFill>
+            <a:schemeClr val="accent1"/>
+          </a:solidFill>
+          <a:ln>
+            <a:solidFill>
+              <a:schemeClr val="accent1"/>
+            </a:solidFill>
+          </a:ln>
+        </p:spPr>
+        <p:style>
+          <a:lnRef idx="2">
+            <a:schemeClr val="accent6"/>
+          </a:lnRef>
+          <a:fillRef idx="1">
+            <a:schemeClr val="lt1"/>
+          </a:fillRef>
+          <a:effectRef idx="0">
+            <a:schemeClr val="accent6"/>
+          </a:effectRef>
+          <a:fontRef idx="minor">
+            <a:schemeClr val="dk1"/>
+          </a:fontRef>
+        </p:style>
+        <p:txBody>
+          <a:bodyPr rtlCol="0" anchor="ctr"/>
+          <a:lstStyle/>
+          <a:p>
+            <a:pPr algn="ctr"/>
+            <a:r>
+              <a:rPr lang="de-DE" dirty="0">
+                <a:solidFill>
+                  <a:schemeClr val="bg1"/>
+                </a:solidFill>
+              </a:rPr>
+              <a:t>Akzeptieren</a:t>
+            </a:r>
+          </a:p>
+        </p:txBody>
+      </p:sp>
+      <p:sp>
+        <p:nvSpPr>
+          <p:cNvPr id="8" name="Rechteck 7"/>
+          <p:cNvSpPr/>
+          <p:nvPr/>
+        </p:nvSpPr>
+        <p:spPr>
+          <a:xfrm>
+            <a:off x="9714485" y="5263978"/>
+            <a:ext cx="1806146" cy="1140937"/>
+          </a:xfrm>
+          <a:prstGeom prst="rect">
+            <a:avLst/>
+          </a:prstGeom>
+          <a:ln/>
+        </p:spPr>
+        <p:style>
+          <a:lnRef idx="2">
+            <a:schemeClr val="accent1"/>
+          </a:lnRef>
+          <a:fillRef idx="1">
+            <a:schemeClr val="lt1"/>
+          </a:fillRef>
+          <a:effectRef idx="0">
+            <a:schemeClr val="accent1"/>
+          </a:effectRef>
+          <a:fontRef idx="minor">
+            <a:schemeClr val="dk1"/>
+          </a:fontRef>
+        </p:style>
+        <p:txBody>
+          <a:bodyPr rtlCol="0" anchor="ctr"/>
+          <a:lstStyle/>
+          <a:p>
+            <a:pPr algn="ctr"/>
+            <a:r>
+              <a:rPr lang="de-DE" dirty="0">
+                <a:solidFill>
+                  <a:schemeClr val="tx1"/>
+                </a:solidFill>
+              </a:rPr>
+              <a:t>Restrisiko</a:t>
+            </a:r>
+          </a:p>
+        </p:txBody>
+      </p:sp>
+      <p:sp>
+        <p:nvSpPr>
+          <p:cNvPr id="9" name="Pfeil nach rechts 8"/>
+          <p:cNvSpPr/>
+          <p:nvPr/>
+        </p:nvSpPr>
+        <p:spPr>
+          <a:xfrm>
+            <a:off x="2817341" y="1690687"/>
+            <a:ext cx="2092412" cy="1003086"/>
+          </a:xfrm>
+          <a:prstGeom prst="rightArrow">
+            <a:avLst/>
+          </a:prstGeom>
+        </p:spPr>
+        <p:style>
+          <a:lnRef idx="2">
+            <a:schemeClr val="accent1">
+              <a:shade val="50000"/>
+            </a:schemeClr>
+          </a:lnRef>
+          <a:fillRef idx="1">
+            <a:schemeClr val="accent1"/>
+          </a:fillRef>
+          <a:effectRef idx="0">
+            <a:schemeClr val="accent1"/>
+          </a:effectRef>
+          <a:fontRef idx="minor">
+            <a:schemeClr val="lt1"/>
+          </a:fontRef>
+        </p:style>
+        <p:txBody>
+          <a:bodyPr rtlCol="0" anchor="ctr"/>
+          <a:lstStyle/>
+          <a:p>
+            <a:pPr algn="ctr"/>
+            <a:r>
+              <a:rPr lang="de-DE" sz="1600" dirty="0"/>
+              <a:t>Vermeidung SQL </a:t>
+            </a:r>
+            <a:r>
+              <a:rPr lang="de-DE" sz="1600" dirty="0" err="1"/>
+              <a:t>Injection</a:t>
+            </a:r>
+            <a:endParaRPr lang="de-DE" sz="1600" dirty="0"/>
+          </a:p>
+        </p:txBody>
+      </p:sp>
+      <p:sp>
+        <p:nvSpPr>
+          <p:cNvPr id="10" name="Pfeil nach rechts 9"/>
+          <p:cNvSpPr/>
+          <p:nvPr/>
+        </p:nvSpPr>
+        <p:spPr>
+          <a:xfrm>
+            <a:off x="5020967" y="3128192"/>
+            <a:ext cx="2092412" cy="850684"/>
+          </a:xfrm>
+          <a:prstGeom prst="rightArrow">
+            <a:avLst/>
+          </a:prstGeom>
+        </p:spPr>
+        <p:style>
+          <a:lnRef idx="2">
+            <a:schemeClr val="accent1">
+              <a:shade val="50000"/>
+            </a:schemeClr>
+          </a:lnRef>
+          <a:fillRef idx="1">
+            <a:schemeClr val="accent1"/>
+          </a:fillRef>
+          <a:effectRef idx="0">
+            <a:schemeClr val="accent1"/>
+          </a:effectRef>
+          <a:fontRef idx="minor">
+            <a:schemeClr val="lt1"/>
+          </a:fontRef>
+        </p:style>
+        <p:txBody>
+          <a:bodyPr rtlCol="0" anchor="ctr"/>
+          <a:lstStyle/>
+          <a:p>
+            <a:pPr algn="ctr"/>
+            <a:r>
+              <a:rPr lang="de-DE" sz="1400" dirty="0"/>
+              <a:t>Datenrichtlinien einhalten</a:t>
+            </a:r>
+          </a:p>
+        </p:txBody>
+      </p:sp>
+      <p:sp>
+        <p:nvSpPr>
+          <p:cNvPr id="11" name="Pfeil nach rechts 10"/>
+          <p:cNvSpPr/>
+          <p:nvPr/>
+        </p:nvSpPr>
+        <p:spPr>
+          <a:xfrm>
+            <a:off x="7224593" y="4380344"/>
+            <a:ext cx="2092412" cy="681809"/>
+          </a:xfrm>
+          <a:prstGeom prst="rightArrow">
+            <a:avLst/>
+          </a:prstGeom>
+        </p:spPr>
+        <p:style>
+          <a:lnRef idx="2">
+            <a:schemeClr val="accent1">
+              <a:shade val="50000"/>
+            </a:schemeClr>
+          </a:lnRef>
+          <a:fillRef idx="1">
+            <a:schemeClr val="accent1"/>
+          </a:fillRef>
+          <a:effectRef idx="0">
+            <a:schemeClr val="accent1"/>
+          </a:effectRef>
+          <a:fontRef idx="minor">
+            <a:schemeClr val="lt1"/>
+          </a:fontRef>
+        </p:style>
+        <p:txBody>
+          <a:bodyPr rtlCol="0" anchor="ctr"/>
+          <a:lstStyle/>
+          <a:p>
+            <a:pPr algn="ctr"/>
+            <a:r>
+              <a:rPr lang="de-DE" sz="1200" dirty="0"/>
+              <a:t>Unbefugter Zugriff</a:t>
+            </a:r>
+          </a:p>
+        </p:txBody>
+      </p:sp>
+    </p:spTree>
+    <p:extLst>
+      <p:ext uri="{BB962C8B-B14F-4D97-AF65-F5344CB8AC3E}">
+        <p14:creationId xmlns:p14="http://schemas.microsoft.com/office/powerpoint/2010/main" val="1702889819"/>
+      </p:ext>
+    </p:extLst>
+  </p:cSld>
+  <p:clrMapOvr>
+    <a:masterClrMapping/>
+  </p:clrMapOvr>
+</p:sld>
+</file>
+
+<file path=ppt/slides/slide8.xml><?xml version="1.0" encoding="utf-8"?>
+<p:sld xmlns:a="http://schemas.openxmlformats.org/drawingml/2006/main" xmlns:r="http://schemas.openxmlformats.org/officeDocument/2006/relationships" xmlns:p="http://schemas.openxmlformats.org/presentationml/2006/main">
+  <p:cSld>
+    <p:spTree>
+      <p:nvGrpSpPr>
+        <p:cNvPr id="1" name=""/>
+        <p:cNvGrpSpPr/>
+        <p:nvPr/>
+      </p:nvGrpSpPr>
+      <p:grpSpPr>
+        <a:xfrm>
+          <a:off x="0" y="0"/>
+          <a:ext cx="0" cy="0"/>
+          <a:chOff x="0" y="0"/>
+          <a:chExt cx="0" cy="0"/>
+        </a:xfrm>
+      </p:grpSpPr>
+      <p:sp>
+        <p:nvSpPr>
+          <p:cNvPr id="2" name="Titel 1"/>
+          <p:cNvSpPr>
+            <a:spLocks noGrp="1"/>
+          </p:cNvSpPr>
+          <p:nvPr>
+            <p:ph type="title"/>
+          </p:nvPr>
+        </p:nvSpPr>
+        <p:spPr/>
+        <p:txBody>
+          <a:bodyPr/>
+          <a:lstStyle/>
+          <a:p>
+            <a:r>
+              <a:rPr lang="de-DE" dirty="0"/>
+              <a:t>Abweichung des Projekts</a:t>
+            </a:r>
+          </a:p>
+        </p:txBody>
+      </p:sp>
+      <p:sp>
+        <p:nvSpPr>
+          <p:cNvPr id="4" name="Rechteck 3"/>
+          <p:cNvSpPr/>
+          <p:nvPr/>
+        </p:nvSpPr>
+        <p:spPr>
+          <a:xfrm>
+            <a:off x="899981" y="1865870"/>
+            <a:ext cx="1806146" cy="4522573"/>
+          </a:xfrm>
+          <a:prstGeom prst="rect">
+            <a:avLst/>
+          </a:prstGeom>
+          <a:ln>
+            <a:solidFill>
+              <a:schemeClr val="accent1"/>
+            </a:solidFill>
+          </a:ln>
+        </p:spPr>
+        <p:style>
+          <a:lnRef idx="2">
+            <a:schemeClr val="accent6"/>
+          </a:lnRef>
+          <a:fillRef idx="1">
+            <a:schemeClr val="lt1"/>
+          </a:fillRef>
+          <a:effectRef idx="0">
+            <a:schemeClr val="accent6"/>
+          </a:effectRef>
+          <a:fontRef idx="minor">
+            <a:schemeClr val="dk1"/>
+          </a:fontRef>
+        </p:style>
+        <p:txBody>
+          <a:bodyPr rtlCol="0" anchor="ctr"/>
+          <a:lstStyle/>
+          <a:p>
+            <a:pPr algn="ctr"/>
+            <a:r>
+              <a:rPr lang="de-DE" dirty="0">
+                <a:solidFill>
+                  <a:schemeClr val="tx1"/>
+                </a:solidFill>
+              </a:rPr>
+              <a:t>Abweichung des Projekts</a:t>
+            </a:r>
+          </a:p>
+        </p:txBody>
+      </p:sp>
+      <p:sp>
+        <p:nvSpPr>
+          <p:cNvPr id="5" name="Rechteck 4"/>
+          <p:cNvSpPr/>
+          <p:nvPr/>
+        </p:nvSpPr>
+        <p:spPr>
+          <a:xfrm>
+            <a:off x="3103607" y="2693773"/>
+            <a:ext cx="1806146" cy="3694670"/>
+          </a:xfrm>
+          <a:prstGeom prst="rect">
+            <a:avLst/>
+          </a:prstGeom>
+          <a:solidFill>
+            <a:schemeClr val="accent1"/>
+          </a:solidFill>
+          <a:ln>
+            <a:solidFill>
+              <a:schemeClr val="accent1"/>
+            </a:solidFill>
+          </a:ln>
+        </p:spPr>
+        <p:style>
+          <a:lnRef idx="2">
+            <a:schemeClr val="accent6"/>
+          </a:lnRef>
+          <a:fillRef idx="1">
+            <a:schemeClr val="lt1"/>
+          </a:fillRef>
+          <a:effectRef idx="0">
+            <a:schemeClr val="accent6"/>
+          </a:effectRef>
+          <a:fontRef idx="minor">
+            <a:schemeClr val="dk1"/>
+          </a:fontRef>
+        </p:style>
+        <p:txBody>
+          <a:bodyPr rtlCol="0" anchor="ctr"/>
+          <a:lstStyle/>
+          <a:p>
+            <a:pPr algn="ctr"/>
+            <a:r>
+              <a:rPr lang="de-DE" dirty="0">
+                <a:solidFill>
+                  <a:schemeClr val="bg1"/>
+                </a:solidFill>
+              </a:rPr>
+              <a:t>Vermeiden</a:t>
+            </a:r>
+          </a:p>
+        </p:txBody>
+      </p:sp>
+      <p:sp>
+        <p:nvSpPr>
+          <p:cNvPr id="6" name="Rechteck 5"/>
+          <p:cNvSpPr/>
+          <p:nvPr/>
+        </p:nvSpPr>
+        <p:spPr>
+          <a:xfrm>
+            <a:off x="5307233" y="3978876"/>
+            <a:ext cx="1806146" cy="2426040"/>
+          </a:xfrm>
+          <a:prstGeom prst="rect">
+            <a:avLst/>
+          </a:prstGeom>
+          <a:solidFill>
+            <a:schemeClr val="accent1"/>
+          </a:solidFill>
+          <a:ln>
+            <a:solidFill>
+              <a:schemeClr val="accent1"/>
+            </a:solidFill>
+          </a:ln>
+        </p:spPr>
+        <p:style>
+          <a:lnRef idx="2">
+            <a:schemeClr val="accent6"/>
+          </a:lnRef>
+          <a:fillRef idx="1">
+            <a:schemeClr val="lt1"/>
+          </a:fillRef>
+          <a:effectRef idx="0">
+            <a:schemeClr val="accent6"/>
+          </a:effectRef>
+          <a:fontRef idx="minor">
+            <a:schemeClr val="dk1"/>
+          </a:fontRef>
+        </p:style>
+        <p:txBody>
+          <a:bodyPr rtlCol="0" anchor="ctr"/>
+          <a:lstStyle/>
+          <a:p>
+            <a:pPr algn="ctr"/>
+            <a:r>
+              <a:rPr lang="de-DE" dirty="0">
+                <a:solidFill>
+                  <a:schemeClr val="bg1"/>
+                </a:solidFill>
+              </a:rPr>
+              <a:t>Versichern</a:t>
+            </a:r>
+          </a:p>
+        </p:txBody>
+      </p:sp>
+      <p:sp>
+        <p:nvSpPr>
+          <p:cNvPr id="7" name="Rechteck 6"/>
+          <p:cNvSpPr/>
+          <p:nvPr/>
+        </p:nvSpPr>
+        <p:spPr>
+          <a:xfrm>
+            <a:off x="7510859" y="5263978"/>
+            <a:ext cx="1806146" cy="1140937"/>
+          </a:xfrm>
+          <a:prstGeom prst="rect">
+            <a:avLst/>
+          </a:prstGeom>
+          <a:solidFill>
+            <a:schemeClr val="accent1"/>
+          </a:solidFill>
+          <a:ln>
+            <a:solidFill>
+              <a:schemeClr val="accent1"/>
+            </a:solidFill>
+          </a:ln>
+        </p:spPr>
+        <p:style>
+          <a:lnRef idx="2">
+            <a:schemeClr val="accent6"/>
+          </a:lnRef>
+          <a:fillRef idx="1">
+            <a:schemeClr val="lt1"/>
+          </a:fillRef>
+          <a:effectRef idx="0">
+            <a:schemeClr val="accent6"/>
+          </a:effectRef>
+          <a:fontRef idx="minor">
+            <a:schemeClr val="dk1"/>
+          </a:fontRef>
+        </p:style>
+        <p:txBody>
+          <a:bodyPr rtlCol="0" anchor="ctr"/>
+          <a:lstStyle/>
+          <a:p>
+            <a:pPr algn="ctr"/>
+            <a:r>
+              <a:rPr lang="de-DE" dirty="0">
+                <a:solidFill>
+                  <a:schemeClr val="bg1"/>
+                </a:solidFill>
+              </a:rPr>
+              <a:t>Akzeptieren</a:t>
+            </a:r>
+          </a:p>
+        </p:txBody>
+      </p:sp>
+      <p:sp>
+        <p:nvSpPr>
+          <p:cNvPr id="8" name="Rechteck 7"/>
+          <p:cNvSpPr/>
+          <p:nvPr/>
+        </p:nvSpPr>
+        <p:spPr>
+          <a:xfrm>
+            <a:off x="9714485" y="5263978"/>
+            <a:ext cx="1806146" cy="1140937"/>
+          </a:xfrm>
+          <a:prstGeom prst="rect">
+            <a:avLst/>
+          </a:prstGeom>
+          <a:ln/>
+        </p:spPr>
+        <p:style>
+          <a:lnRef idx="2">
+            <a:schemeClr val="accent1"/>
+          </a:lnRef>
+          <a:fillRef idx="1">
+            <a:schemeClr val="lt1"/>
+          </a:fillRef>
+          <a:effectRef idx="0">
+            <a:schemeClr val="accent1"/>
+          </a:effectRef>
+          <a:fontRef idx="minor">
+            <a:schemeClr val="dk1"/>
+          </a:fontRef>
+        </p:style>
+        <p:txBody>
+          <a:bodyPr rtlCol="0" anchor="ctr"/>
+          <a:lstStyle/>
+          <a:p>
+            <a:pPr algn="ctr"/>
+            <a:r>
+              <a:rPr lang="de-DE" dirty="0">
+                <a:solidFill>
+                  <a:schemeClr val="tx1"/>
+                </a:solidFill>
+              </a:rPr>
+              <a:t>Restrisiko</a:t>
+            </a:r>
+          </a:p>
+        </p:txBody>
+      </p:sp>
+      <p:sp>
+        <p:nvSpPr>
+          <p:cNvPr id="9" name="Pfeil nach rechts 8"/>
+          <p:cNvSpPr/>
+          <p:nvPr/>
+        </p:nvSpPr>
+        <p:spPr>
+          <a:xfrm>
+            <a:off x="2817341" y="1690687"/>
+            <a:ext cx="2092412" cy="1003086"/>
+          </a:xfrm>
+          <a:prstGeom prst="rightArrow">
+            <a:avLst/>
+          </a:prstGeom>
+        </p:spPr>
+        <p:style>
+          <a:lnRef idx="2">
+            <a:schemeClr val="accent1">
+              <a:shade val="50000"/>
+            </a:schemeClr>
+          </a:lnRef>
+          <a:fillRef idx="1">
+            <a:schemeClr val="accent1"/>
+          </a:fillRef>
+          <a:effectRef idx="0">
+            <a:schemeClr val="accent1"/>
+          </a:effectRef>
+          <a:fontRef idx="minor">
+            <a:schemeClr val="lt1"/>
+          </a:fontRef>
+        </p:style>
+        <p:txBody>
+          <a:bodyPr rtlCol="0" anchor="ctr"/>
+          <a:lstStyle/>
+          <a:p>
+            <a:pPr algn="ctr"/>
+            <a:r>
+              <a:rPr lang="de-DE" sz="1600" dirty="0"/>
+              <a:t>Fehlkommunikation</a:t>
+            </a:r>
+          </a:p>
+        </p:txBody>
+      </p:sp>
+      <p:sp>
+        <p:nvSpPr>
+          <p:cNvPr id="10" name="Pfeil nach rechts 9"/>
+          <p:cNvSpPr/>
+          <p:nvPr/>
+        </p:nvSpPr>
+        <p:spPr>
+          <a:xfrm>
+            <a:off x="5020967" y="3128192"/>
+            <a:ext cx="2092412" cy="850684"/>
+          </a:xfrm>
+          <a:prstGeom prst="rightArrow">
+            <a:avLst/>
+          </a:prstGeom>
+        </p:spPr>
+        <p:style>
+          <a:lnRef idx="2">
+            <a:schemeClr val="accent1">
+              <a:shade val="50000"/>
+            </a:schemeClr>
+          </a:lnRef>
+          <a:fillRef idx="1">
+            <a:schemeClr val="accent1"/>
+          </a:fillRef>
+          <a:effectRef idx="0">
+            <a:schemeClr val="accent1"/>
+          </a:effectRef>
+          <a:fontRef idx="minor">
+            <a:schemeClr val="lt1"/>
+          </a:fontRef>
+        </p:style>
+        <p:txBody>
+          <a:bodyPr rtlCol="0" anchor="ctr"/>
+          <a:lstStyle/>
+          <a:p>
+            <a:pPr algn="ctr"/>
+            <a:r>
+              <a:rPr lang="de-DE" sz="1400" dirty="0"/>
+              <a:t>Prüfung der Anforderungen</a:t>
+            </a:r>
+          </a:p>
+        </p:txBody>
+      </p:sp>
+      <p:sp>
+        <p:nvSpPr>
+          <p:cNvPr id="11" name="Pfeil nach rechts 10"/>
+          <p:cNvSpPr/>
+          <p:nvPr/>
+        </p:nvSpPr>
+        <p:spPr>
+          <a:xfrm>
+            <a:off x="7224593" y="4380344"/>
+            <a:ext cx="2092412" cy="681809"/>
+          </a:xfrm>
+          <a:prstGeom prst="rightArrow">
+            <a:avLst/>
+          </a:prstGeom>
+        </p:spPr>
+        <p:style>
+          <a:lnRef idx="2">
+            <a:schemeClr val="accent1">
+              <a:shade val="50000"/>
+            </a:schemeClr>
+          </a:lnRef>
+          <a:fillRef idx="1">
+            <a:schemeClr val="accent1"/>
+          </a:fillRef>
+          <a:effectRef idx="0">
+            <a:schemeClr val="accent1"/>
+          </a:effectRef>
+          <a:fontRef idx="minor">
+            <a:schemeClr val="lt1"/>
+          </a:fontRef>
+        </p:style>
+        <p:txBody>
+          <a:bodyPr rtlCol="0" anchor="ctr"/>
+          <a:lstStyle/>
+          <a:p>
+            <a:pPr algn="ctr"/>
+            <a:r>
+              <a:rPr lang="de-DE" sz="1200" dirty="0"/>
+              <a:t>Ungeplante Änderungen</a:t>
+            </a:r>
+          </a:p>
+        </p:txBody>
+      </p:sp>
+    </p:spTree>
+    <p:extLst>
+      <p:ext uri="{BB962C8B-B14F-4D97-AF65-F5344CB8AC3E}">
+        <p14:creationId xmlns:p14="http://schemas.microsoft.com/office/powerpoint/2010/main" val="2238227273"/>
+      </p:ext>
+    </p:extLst>
+  </p:cSld>
+  <p:clrMapOvr>
+    <a:masterClrMapping/>
+  </p:clrMapOvr>
+</p:sld>
+</file>
+
+<file path=ppt/slides/slide9.xml><?xml version="1.0" encoding="utf-8"?>
+<p:sld xmlns:a="http://schemas.openxmlformats.org/drawingml/2006/main" xmlns:r="http://schemas.openxmlformats.org/officeDocument/2006/relationships" xmlns:p="http://schemas.openxmlformats.org/presentationml/2006/main">
+  <p:cSld>
+    <p:spTree>
+      <p:nvGrpSpPr>
+        <p:cNvPr id="1" name=""/>
+        <p:cNvGrpSpPr/>
+        <p:nvPr/>
+      </p:nvGrpSpPr>
+      <p:grpSpPr>
+        <a:xfrm>
+          <a:off x="0" y="0"/>
+          <a:ext cx="0" cy="0"/>
+          <a:chOff x="0" y="0"/>
+          <a:chExt cx="0" cy="0"/>
+        </a:xfrm>
+      </p:grpSpPr>
+      <p:sp>
+        <p:nvSpPr>
+          <p:cNvPr id="2" name="Titel 1"/>
+          <p:cNvSpPr>
+            <a:spLocks noGrp="1"/>
+          </p:cNvSpPr>
+          <p:nvPr>
+            <p:ph type="title"/>
+          </p:nvPr>
+        </p:nvSpPr>
+        <p:spPr/>
+        <p:txBody>
+          <a:bodyPr/>
+          <a:lstStyle/>
+          <a:p>
+            <a:r>
+              <a:rPr lang="de-DE" dirty="0"/>
+              <a:t>Qualifikation der Mitarbeiter</a:t>
+            </a:r>
+          </a:p>
+        </p:txBody>
+      </p:sp>
+      <p:sp>
+        <p:nvSpPr>
+          <p:cNvPr id="4" name="Rechteck 3"/>
+          <p:cNvSpPr/>
+          <p:nvPr/>
+        </p:nvSpPr>
+        <p:spPr>
+          <a:xfrm>
+            <a:off x="899981" y="1865870"/>
+            <a:ext cx="1806146" cy="4522573"/>
+          </a:xfrm>
+          <a:prstGeom prst="rect">
+            <a:avLst/>
+          </a:prstGeom>
+          <a:ln>
+            <a:solidFill>
+              <a:schemeClr val="accent1"/>
+            </a:solidFill>
+          </a:ln>
+        </p:spPr>
+        <p:style>
+          <a:lnRef idx="2">
+            <a:schemeClr val="accent6"/>
+          </a:lnRef>
+          <a:fillRef idx="1">
+            <a:schemeClr val="lt1"/>
+          </a:fillRef>
+          <a:effectRef idx="0">
+            <a:schemeClr val="accent6"/>
+          </a:effectRef>
+          <a:fontRef idx="minor">
+            <a:schemeClr val="dk1"/>
+          </a:fontRef>
+        </p:style>
+        <p:txBody>
+          <a:bodyPr rtlCol="0" anchor="ctr"/>
+          <a:lstStyle/>
+          <a:p>
+            <a:pPr algn="ctr"/>
+            <a:r>
+              <a:rPr lang="de-DE" dirty="0">
+                <a:solidFill>
+                  <a:schemeClr val="tx1"/>
+                </a:solidFill>
+              </a:rPr>
+              <a:t>Qualifikation der Mitarbeiter</a:t>
+            </a:r>
+          </a:p>
+        </p:txBody>
+      </p:sp>
+      <p:sp>
+        <p:nvSpPr>
+          <p:cNvPr id="5" name="Rechteck 4"/>
+          <p:cNvSpPr/>
+          <p:nvPr/>
+        </p:nvSpPr>
+        <p:spPr>
+          <a:xfrm>
+            <a:off x="3103607" y="2693773"/>
+            <a:ext cx="1806146" cy="3694670"/>
+          </a:xfrm>
+          <a:prstGeom prst="rect">
+            <a:avLst/>
+          </a:prstGeom>
+          <a:solidFill>
+            <a:schemeClr val="accent1"/>
+          </a:solidFill>
+          <a:ln>
+            <a:solidFill>
+              <a:schemeClr val="accent1"/>
+            </a:solidFill>
+          </a:ln>
+        </p:spPr>
+        <p:style>
+          <a:lnRef idx="2">
+            <a:schemeClr val="accent6"/>
+          </a:lnRef>
+          <a:fillRef idx="1">
+            <a:schemeClr val="lt1"/>
+          </a:fillRef>
+          <a:effectRef idx="0">
+            <a:schemeClr val="accent6"/>
+          </a:effectRef>
+          <a:fontRef idx="minor">
+            <a:schemeClr val="dk1"/>
+          </a:fontRef>
+        </p:style>
+        <p:txBody>
+          <a:bodyPr rtlCol="0" anchor="ctr"/>
+          <a:lstStyle/>
+          <a:p>
+            <a:pPr algn="ctr"/>
+            <a:r>
+              <a:rPr lang="de-DE" dirty="0">
+                <a:solidFill>
+                  <a:schemeClr val="bg1"/>
+                </a:solidFill>
+              </a:rPr>
+              <a:t>Vermeiden</a:t>
+            </a:r>
+          </a:p>
+        </p:txBody>
+      </p:sp>
+      <p:sp>
+        <p:nvSpPr>
+          <p:cNvPr id="6" name="Rechteck 5"/>
+          <p:cNvSpPr/>
+          <p:nvPr/>
+        </p:nvSpPr>
+        <p:spPr>
+          <a:xfrm>
+            <a:off x="5307233" y="3978876"/>
+            <a:ext cx="1806146" cy="2426040"/>
+          </a:xfrm>
+          <a:prstGeom prst="rect">
+            <a:avLst/>
+          </a:prstGeom>
+          <a:solidFill>
+            <a:schemeClr val="accent1"/>
+          </a:solidFill>
+          <a:ln>
+            <a:solidFill>
+              <a:schemeClr val="accent1"/>
+            </a:solidFill>
+          </a:ln>
+        </p:spPr>
+        <p:style>
+          <a:lnRef idx="2">
+            <a:schemeClr val="accent6"/>
+          </a:lnRef>
+          <a:fillRef idx="1">
+            <a:schemeClr val="lt1"/>
+          </a:fillRef>
+          <a:effectRef idx="0">
+            <a:schemeClr val="accent6"/>
+          </a:effectRef>
+          <a:fontRef idx="minor">
+            <a:schemeClr val="dk1"/>
+          </a:fontRef>
+        </p:style>
+        <p:txBody>
+          <a:bodyPr rtlCol="0" anchor="ctr"/>
+          <a:lstStyle/>
+          <a:p>
+            <a:pPr algn="ctr"/>
+            <a:r>
+              <a:rPr lang="de-DE" dirty="0">
+                <a:solidFill>
+                  <a:schemeClr val="bg1"/>
+                </a:solidFill>
+              </a:rPr>
+              <a:t>Versichern</a:t>
+            </a:r>
+          </a:p>
+        </p:txBody>
+      </p:sp>
+      <p:sp>
+        <p:nvSpPr>
+          <p:cNvPr id="7" name="Rechteck 6"/>
+          <p:cNvSpPr/>
+          <p:nvPr/>
+        </p:nvSpPr>
+        <p:spPr>
+          <a:xfrm>
+            <a:off x="7510859" y="5263978"/>
+            <a:ext cx="1806146" cy="1140937"/>
+          </a:xfrm>
+          <a:prstGeom prst="rect">
+            <a:avLst/>
+          </a:prstGeom>
+          <a:solidFill>
+            <a:schemeClr val="accent1"/>
+          </a:solidFill>
+          <a:ln>
+            <a:solidFill>
+              <a:schemeClr val="accent1"/>
+            </a:solidFill>
+          </a:ln>
+        </p:spPr>
+        <p:style>
+          <a:lnRef idx="2">
+            <a:schemeClr val="accent6"/>
+          </a:lnRef>
+          <a:fillRef idx="1">
+            <a:schemeClr val="lt1"/>
+          </a:fillRef>
+          <a:effectRef idx="0">
+            <a:schemeClr val="accent6"/>
+          </a:effectRef>
+          <a:fontRef idx="minor">
+            <a:schemeClr val="dk1"/>
+          </a:fontRef>
+        </p:style>
+        <p:txBody>
+          <a:bodyPr rtlCol="0" anchor="ctr"/>
+          <a:lstStyle/>
+          <a:p>
+            <a:pPr algn="ctr"/>
+            <a:r>
+              <a:rPr lang="de-DE" dirty="0">
+                <a:solidFill>
+                  <a:schemeClr val="bg1"/>
+                </a:solidFill>
+              </a:rPr>
+              <a:t>Akzeptieren</a:t>
+            </a:r>
+          </a:p>
+        </p:txBody>
+      </p:sp>
+      <p:sp>
+        <p:nvSpPr>
+          <p:cNvPr id="8" name="Rechteck 7"/>
+          <p:cNvSpPr/>
+          <p:nvPr/>
+        </p:nvSpPr>
+        <p:spPr>
+          <a:xfrm>
+            <a:off x="9714485" y="5263978"/>
+            <a:ext cx="1806146" cy="1140937"/>
+          </a:xfrm>
+          <a:prstGeom prst="rect">
+            <a:avLst/>
+          </a:prstGeom>
+          <a:ln/>
+        </p:spPr>
+        <p:style>
+          <a:lnRef idx="2">
+            <a:schemeClr val="accent1"/>
+          </a:lnRef>
+          <a:fillRef idx="1">
+            <a:schemeClr val="lt1"/>
+          </a:fillRef>
+          <a:effectRef idx="0">
+            <a:schemeClr val="accent1"/>
+          </a:effectRef>
+          <a:fontRef idx="minor">
+            <a:schemeClr val="dk1"/>
+          </a:fontRef>
+        </p:style>
+        <p:txBody>
+          <a:bodyPr rtlCol="0" anchor="ctr"/>
+          <a:lstStyle/>
+          <a:p>
+            <a:pPr algn="ctr"/>
+            <a:r>
+              <a:rPr lang="de-DE" dirty="0">
+                <a:solidFill>
+                  <a:schemeClr val="tx1"/>
+                </a:solidFill>
+              </a:rPr>
+              <a:t>Restrisiko</a:t>
+            </a:r>
+          </a:p>
+        </p:txBody>
+      </p:sp>
+      <p:sp>
+        <p:nvSpPr>
+          <p:cNvPr id="9" name="Pfeil nach rechts 8"/>
+          <p:cNvSpPr/>
+          <p:nvPr/>
+        </p:nvSpPr>
+        <p:spPr>
+          <a:xfrm>
+            <a:off x="2817341" y="1690687"/>
+            <a:ext cx="2092412" cy="1003086"/>
+          </a:xfrm>
+          <a:prstGeom prst="rightArrow">
+            <a:avLst/>
+          </a:prstGeom>
+        </p:spPr>
+        <p:style>
+          <a:lnRef idx="2">
+            <a:schemeClr val="accent1">
+              <a:shade val="50000"/>
+            </a:schemeClr>
+          </a:lnRef>
+          <a:fillRef idx="1">
+            <a:schemeClr val="accent1"/>
+          </a:fillRef>
+          <a:effectRef idx="0">
+            <a:schemeClr val="accent1"/>
+          </a:effectRef>
+          <a:fontRef idx="minor">
+            <a:schemeClr val="lt1"/>
+          </a:fontRef>
+        </p:style>
+        <p:txBody>
+          <a:bodyPr rtlCol="0" anchor="ctr"/>
+          <a:lstStyle/>
+          <a:p>
+            <a:pPr algn="ctr"/>
+            <a:r>
+              <a:rPr lang="de-DE" sz="1600" dirty="0"/>
+              <a:t>Fehlkompetenz vermeiden</a:t>
+            </a:r>
+          </a:p>
+        </p:txBody>
+      </p:sp>
+      <p:sp>
+        <p:nvSpPr>
+          <p:cNvPr id="10" name="Pfeil nach rechts 9"/>
+          <p:cNvSpPr/>
+          <p:nvPr/>
+        </p:nvSpPr>
+        <p:spPr>
+          <a:xfrm>
+            <a:off x="5020967" y="3128192"/>
+            <a:ext cx="2092412" cy="850684"/>
+          </a:xfrm>
+          <a:prstGeom prst="rightArrow">
+            <a:avLst/>
+          </a:prstGeom>
+        </p:spPr>
+        <p:style>
+          <a:lnRef idx="2">
+            <a:schemeClr val="accent1">
+              <a:shade val="50000"/>
+            </a:schemeClr>
+          </a:lnRef>
+          <a:fillRef idx="1">
+            <a:schemeClr val="accent1"/>
+          </a:fillRef>
+          <a:effectRef idx="0">
+            <a:schemeClr val="accent1"/>
+          </a:effectRef>
+          <a:fontRef idx="minor">
+            <a:schemeClr val="lt1"/>
+          </a:fontRef>
+        </p:style>
+        <p:txBody>
+          <a:bodyPr rtlCol="0" anchor="ctr"/>
+          <a:lstStyle/>
+          <a:p>
+            <a:pPr algn="ctr"/>
+            <a:r>
+              <a:rPr lang="de-DE" sz="1400" dirty="0"/>
+              <a:t>Ausgeglichene Teamstruktur </a:t>
+            </a:r>
+          </a:p>
+        </p:txBody>
+      </p:sp>
+      <p:sp>
+        <p:nvSpPr>
+          <p:cNvPr id="11" name="Pfeil nach rechts 10"/>
+          <p:cNvSpPr/>
+          <p:nvPr/>
+        </p:nvSpPr>
+        <p:spPr>
+          <a:xfrm>
+            <a:off x="7224593" y="4380344"/>
+            <a:ext cx="2092412" cy="681809"/>
+          </a:xfrm>
+          <a:prstGeom prst="rightArrow">
+            <a:avLst/>
+          </a:prstGeom>
+        </p:spPr>
+        <p:style>
+          <a:lnRef idx="2">
+            <a:schemeClr val="accent1">
+              <a:shade val="50000"/>
+            </a:schemeClr>
+          </a:lnRef>
+          <a:fillRef idx="1">
+            <a:schemeClr val="accent1"/>
+          </a:fillRef>
+          <a:effectRef idx="0">
+            <a:schemeClr val="accent1"/>
+          </a:effectRef>
+          <a:fontRef idx="minor">
+            <a:schemeClr val="lt1"/>
+          </a:fontRef>
+        </p:style>
+        <p:txBody>
+          <a:bodyPr rtlCol="0" anchor="ctr"/>
+          <a:lstStyle/>
+          <a:p>
+            <a:pPr algn="ctr"/>
+            <a:r>
+              <a:rPr lang="de-DE" sz="1200" dirty="0"/>
+              <a:t>Teamkonflikte</a:t>
+            </a:r>
+          </a:p>
+        </p:txBody>
+      </p:sp>
+    </p:spTree>
+    <p:extLst>
+      <p:ext uri="{BB962C8B-B14F-4D97-AF65-F5344CB8AC3E}">
+        <p14:creationId xmlns:p14="http://schemas.microsoft.com/office/powerpoint/2010/main" val="1641999090"/>
       </p:ext>
     </p:extLst>
   </p:cSld>
